--- a/Karpushov_SC_Project.pptx
+++ b/Karpushov_SC_Project.pptx
@@ -9,11 +9,13 @@
     <p:sldId id="260" r:id="rId3"/>
     <p:sldId id="261" r:id="rId4"/>
     <p:sldId id="264" r:id="rId5"/>
-    <p:sldId id="257" r:id="rId6"/>
-    <p:sldId id="258" r:id="rId7"/>
-    <p:sldId id="259" r:id="rId8"/>
-    <p:sldId id="262" r:id="rId9"/>
-    <p:sldId id="263" r:id="rId10"/>
+    <p:sldId id="266" r:id="rId6"/>
+    <p:sldId id="267" r:id="rId7"/>
+    <p:sldId id="258" r:id="rId8"/>
+    <p:sldId id="259" r:id="rId9"/>
+    <p:sldId id="262" r:id="rId10"/>
+    <p:sldId id="263" r:id="rId11"/>
+    <p:sldId id="268" r:id="rId12"/>
   </p:sldIdLst>
   <p:sldSz cx="12192000" cy="6858000"/>
   <p:notesSz cx="6858000" cy="9144000"/>
@@ -269,7 +271,7 @@
           <a:p>
             <a:fld id="{A6B360A3-169E-454E-B672-17C6FB7E431E}" type="datetimeFigureOut">
               <a:rPr lang="en-RU" smtClean="0"/>
-              <a:t>10.12.2025</a:t>
+              <a:t>15.12.2025</a:t>
             </a:fld>
             <a:endParaRPr lang="en-RU"/>
           </a:p>
@@ -469,7 +471,7 @@
           <a:p>
             <a:fld id="{A6B360A3-169E-454E-B672-17C6FB7E431E}" type="datetimeFigureOut">
               <a:rPr lang="en-RU" smtClean="0"/>
-              <a:t>10.12.2025</a:t>
+              <a:t>15.12.2025</a:t>
             </a:fld>
             <a:endParaRPr lang="en-RU"/>
           </a:p>
@@ -679,7 +681,7 @@
           <a:p>
             <a:fld id="{A6B360A3-169E-454E-B672-17C6FB7E431E}" type="datetimeFigureOut">
               <a:rPr lang="en-RU" smtClean="0"/>
-              <a:t>10.12.2025</a:t>
+              <a:t>15.12.2025</a:t>
             </a:fld>
             <a:endParaRPr lang="en-RU"/>
           </a:p>
@@ -879,7 +881,7 @@
           <a:p>
             <a:fld id="{A6B360A3-169E-454E-B672-17C6FB7E431E}" type="datetimeFigureOut">
               <a:rPr lang="en-RU" smtClean="0"/>
-              <a:t>10.12.2025</a:t>
+              <a:t>15.12.2025</a:t>
             </a:fld>
             <a:endParaRPr lang="en-RU"/>
           </a:p>
@@ -1155,7 +1157,7 @@
           <a:p>
             <a:fld id="{A6B360A3-169E-454E-B672-17C6FB7E431E}" type="datetimeFigureOut">
               <a:rPr lang="en-RU" smtClean="0"/>
-              <a:t>10.12.2025</a:t>
+              <a:t>15.12.2025</a:t>
             </a:fld>
             <a:endParaRPr lang="en-RU"/>
           </a:p>
@@ -1423,7 +1425,7 @@
           <a:p>
             <a:fld id="{A6B360A3-169E-454E-B672-17C6FB7E431E}" type="datetimeFigureOut">
               <a:rPr lang="en-RU" smtClean="0"/>
-              <a:t>10.12.2025</a:t>
+              <a:t>15.12.2025</a:t>
             </a:fld>
             <a:endParaRPr lang="en-RU"/>
           </a:p>
@@ -1838,7 +1840,7 @@
           <a:p>
             <a:fld id="{A6B360A3-169E-454E-B672-17C6FB7E431E}" type="datetimeFigureOut">
               <a:rPr lang="en-RU" smtClean="0"/>
-              <a:t>10.12.2025</a:t>
+              <a:t>15.12.2025</a:t>
             </a:fld>
             <a:endParaRPr lang="en-RU"/>
           </a:p>
@@ -1980,7 +1982,7 @@
           <a:p>
             <a:fld id="{A6B360A3-169E-454E-B672-17C6FB7E431E}" type="datetimeFigureOut">
               <a:rPr lang="en-RU" smtClean="0"/>
-              <a:t>10.12.2025</a:t>
+              <a:t>15.12.2025</a:t>
             </a:fld>
             <a:endParaRPr lang="en-RU"/>
           </a:p>
@@ -2093,7 +2095,7 @@
           <a:p>
             <a:fld id="{A6B360A3-169E-454E-B672-17C6FB7E431E}" type="datetimeFigureOut">
               <a:rPr lang="en-RU" smtClean="0"/>
-              <a:t>10.12.2025</a:t>
+              <a:t>15.12.2025</a:t>
             </a:fld>
             <a:endParaRPr lang="en-RU"/>
           </a:p>
@@ -2406,7 +2408,7 @@
           <a:p>
             <a:fld id="{A6B360A3-169E-454E-B672-17C6FB7E431E}" type="datetimeFigureOut">
               <a:rPr lang="en-RU" smtClean="0"/>
-              <a:t>10.12.2025</a:t>
+              <a:t>15.12.2025</a:t>
             </a:fld>
             <a:endParaRPr lang="en-RU"/>
           </a:p>
@@ -2695,7 +2697,7 @@
           <a:p>
             <a:fld id="{A6B360A3-169E-454E-B672-17C6FB7E431E}" type="datetimeFigureOut">
               <a:rPr lang="en-RU" smtClean="0"/>
-              <a:t>10.12.2025</a:t>
+              <a:t>15.12.2025</a:t>
             </a:fld>
             <a:endParaRPr lang="en-RU"/>
           </a:p>
@@ -2938,7 +2940,7 @@
           <a:p>
             <a:fld id="{A6B360A3-169E-454E-B672-17C6FB7E431E}" type="datetimeFigureOut">
               <a:rPr lang="en-RU" smtClean="0"/>
-              <a:t>10.12.2025</a:t>
+              <a:t>15.12.2025</a:t>
             </a:fld>
             <a:endParaRPr lang="en-RU"/>
           </a:p>
@@ -3555,6 +3557,280 @@
 </p:sld>
 </file>
 
+<file path=ppt/slides/slide10.xml><?xml version="1.0" encoding="utf-8"?>
+<p:sld xmlns:a="http://schemas.openxmlformats.org/drawingml/2006/main" xmlns:r="http://schemas.openxmlformats.org/officeDocument/2006/relationships" xmlns:p="http://schemas.openxmlformats.org/presentationml/2006/main">
+  <p:cSld>
+    <p:spTree>
+      <p:nvGrpSpPr>
+        <p:cNvPr id="1" name=""/>
+        <p:cNvGrpSpPr/>
+        <p:nvPr/>
+      </p:nvGrpSpPr>
+      <p:grpSpPr>
+        <a:xfrm>
+          <a:off x="0" y="0"/>
+          <a:ext cx="0" cy="0"/>
+          <a:chOff x="0" y="0"/>
+          <a:chExt cx="0" cy="0"/>
+        </a:xfrm>
+      </p:grpSpPr>
+      <p:sp>
+        <p:nvSpPr>
+          <p:cNvPr id="2" name="TextBox 1">
+            <a:extLst>
+              <a:ext uri="{FF2B5EF4-FFF2-40B4-BE49-F238E27FC236}">
+                <a16:creationId xmlns:a16="http://schemas.microsoft.com/office/drawing/2014/main" id="{59E2A7EA-A58C-CD3B-9964-4B2920005D96}"/>
+              </a:ext>
+            </a:extLst>
+          </p:cNvPr>
+          <p:cNvSpPr txBox="1"/>
+          <p:nvPr/>
+        </p:nvSpPr>
+        <p:spPr>
+          <a:xfrm>
+            <a:off x="5179050" y="205574"/>
+            <a:ext cx="1833900" cy="646331"/>
+          </a:xfrm>
+          <a:prstGeom prst="rect">
+            <a:avLst/>
+          </a:prstGeom>
+          <a:noFill/>
+        </p:spPr>
+        <p:txBody>
+          <a:bodyPr wrap="none" rtlCol="0">
+            <a:spAutoFit/>
+          </a:bodyPr>
+          <a:lstStyle/>
+          <a:p>
+            <a:r>
+              <a:rPr lang="ru-RU" sz="3600" b="1" dirty="0"/>
+              <a:t>Выводы</a:t>
+            </a:r>
+            <a:endParaRPr lang="en-RU" sz="3600" b="1" dirty="0"/>
+          </a:p>
+        </p:txBody>
+      </p:sp>
+      <p:sp>
+        <p:nvSpPr>
+          <p:cNvPr id="3" name="TextBox 2">
+            <a:extLst>
+              <a:ext uri="{FF2B5EF4-FFF2-40B4-BE49-F238E27FC236}">
+                <a16:creationId xmlns:a16="http://schemas.microsoft.com/office/drawing/2014/main" id="{3CDD5EFF-29B4-9F38-D2F5-5ACE0FD4DE2E}"/>
+              </a:ext>
+            </a:extLst>
+          </p:cNvPr>
+          <p:cNvSpPr txBox="1"/>
+          <p:nvPr/>
+        </p:nvSpPr>
+        <p:spPr>
+          <a:xfrm>
+            <a:off x="519289" y="2316068"/>
+            <a:ext cx="11153422" cy="1384995"/>
+          </a:xfrm>
+          <a:prstGeom prst="rect">
+            <a:avLst/>
+          </a:prstGeom>
+          <a:noFill/>
+        </p:spPr>
+        <p:txBody>
+          <a:bodyPr wrap="square" rtlCol="0">
+            <a:spAutoFit/>
+          </a:bodyPr>
+          <a:lstStyle/>
+          <a:p>
+            <a:r>
+              <a:rPr lang="ru-RU" sz="2800" b="1" dirty="0"/>
+              <a:t>Для поиска маркерных генов (аннотирования) можно использовать как т-тест, так и тест Манна-Уитни. Однако для сравнения условий, лучше использовать отрицательно биномиальные модели </a:t>
+            </a:r>
+            <a:r>
+              <a:rPr lang="en-US" sz="2800" b="1" dirty="0"/>
+              <a:t>(pydeseq2)</a:t>
+            </a:r>
+            <a:endParaRPr lang="en-RU" sz="2800" b="1" dirty="0"/>
+          </a:p>
+        </p:txBody>
+      </p:sp>
+    </p:spTree>
+    <p:extLst>
+      <p:ext uri="{BB962C8B-B14F-4D97-AF65-F5344CB8AC3E}">
+        <p14:creationId xmlns:p14="http://schemas.microsoft.com/office/powerpoint/2010/main" val="3634672411"/>
+      </p:ext>
+    </p:extLst>
+  </p:cSld>
+  <p:clrMapOvr>
+    <a:masterClrMapping/>
+  </p:clrMapOvr>
+</p:sld>
+</file>
+
+<file path=ppt/slides/slide11.xml><?xml version="1.0" encoding="utf-8"?>
+<p:sld xmlns:a="http://schemas.openxmlformats.org/drawingml/2006/main" xmlns:r="http://schemas.openxmlformats.org/officeDocument/2006/relationships" xmlns:p="http://schemas.openxmlformats.org/presentationml/2006/main" show="0">
+  <p:cSld>
+    <p:spTree>
+      <p:nvGrpSpPr>
+        <p:cNvPr id="1" name=""/>
+        <p:cNvGrpSpPr/>
+        <p:nvPr/>
+      </p:nvGrpSpPr>
+      <p:grpSpPr>
+        <a:xfrm>
+          <a:off x="0" y="0"/>
+          <a:ext cx="0" cy="0"/>
+          <a:chOff x="0" y="0"/>
+          <a:chExt cx="0" cy="0"/>
+        </a:xfrm>
+      </p:grpSpPr>
+      <p:sp>
+        <p:nvSpPr>
+          <p:cNvPr id="2" name="TextBox 1">
+            <a:extLst>
+              <a:ext uri="{FF2B5EF4-FFF2-40B4-BE49-F238E27FC236}">
+                <a16:creationId xmlns:a16="http://schemas.microsoft.com/office/drawing/2014/main" id="{59E2A7EA-A58C-CD3B-9964-4B2920005D96}"/>
+              </a:ext>
+            </a:extLst>
+          </p:cNvPr>
+          <p:cNvSpPr txBox="1"/>
+          <p:nvPr/>
+        </p:nvSpPr>
+        <p:spPr>
+          <a:xfrm>
+            <a:off x="5179050" y="205574"/>
+            <a:ext cx="1833900" cy="646331"/>
+          </a:xfrm>
+          <a:prstGeom prst="rect">
+            <a:avLst/>
+          </a:prstGeom>
+          <a:noFill/>
+        </p:spPr>
+        <p:txBody>
+          <a:bodyPr wrap="none" rtlCol="0">
+            <a:spAutoFit/>
+          </a:bodyPr>
+          <a:lstStyle/>
+          <a:p>
+            <a:r>
+              <a:rPr lang="ru-RU" sz="3600" b="1" dirty="0"/>
+              <a:t>Выводы</a:t>
+            </a:r>
+            <a:endParaRPr lang="en-RU" sz="3600" b="1" dirty="0"/>
+          </a:p>
+        </p:txBody>
+      </p:sp>
+      <p:sp>
+        <p:nvSpPr>
+          <p:cNvPr id="3" name="TextBox 2">
+            <a:extLst>
+              <a:ext uri="{FF2B5EF4-FFF2-40B4-BE49-F238E27FC236}">
+                <a16:creationId xmlns:a16="http://schemas.microsoft.com/office/drawing/2014/main" id="{3CDD5EFF-29B4-9F38-D2F5-5ACE0FD4DE2E}"/>
+              </a:ext>
+            </a:extLst>
+          </p:cNvPr>
+          <p:cNvSpPr txBox="1"/>
+          <p:nvPr/>
+        </p:nvSpPr>
+        <p:spPr>
+          <a:xfrm>
+            <a:off x="519289" y="2305615"/>
+            <a:ext cx="11153422" cy="2246769"/>
+          </a:xfrm>
+          <a:prstGeom prst="rect">
+            <a:avLst/>
+          </a:prstGeom>
+          <a:noFill/>
+        </p:spPr>
+        <p:txBody>
+          <a:bodyPr wrap="square" rtlCol="0">
+            <a:spAutoFit/>
+          </a:bodyPr>
+          <a:lstStyle/>
+          <a:p>
+            <a:r>
+              <a:rPr lang="ru-RU" sz="2800" b="1" dirty="0"/>
+              <a:t>Для быстрого поиска маркерных генов (аннотирования) можно использовать как т-тест, так и тест Манна-Уитни. Однако, если нужно провести более тщательный анализ, особенно если типы клеток близкие и для сравнения условий, лучше использовать отрицательно биномиальные модели </a:t>
+            </a:r>
+            <a:r>
+              <a:rPr lang="en-US" sz="2800" b="1" dirty="0"/>
+              <a:t>(pydeseq2)</a:t>
+            </a:r>
+            <a:endParaRPr lang="en-RU" sz="2800" b="1" dirty="0"/>
+          </a:p>
+        </p:txBody>
+      </p:sp>
+      <p:sp>
+        <p:nvSpPr>
+          <p:cNvPr id="4" name="TextBox 3">
+            <a:extLst>
+              <a:ext uri="{FF2B5EF4-FFF2-40B4-BE49-F238E27FC236}">
+                <a16:creationId xmlns:a16="http://schemas.microsoft.com/office/drawing/2014/main" id="{5BEBE15C-4B9F-CF04-4E1A-53734E494487}"/>
+              </a:ext>
+            </a:extLst>
+          </p:cNvPr>
+          <p:cNvSpPr txBox="1"/>
+          <p:nvPr/>
+        </p:nvSpPr>
+        <p:spPr>
+          <a:xfrm>
+            <a:off x="1038578" y="6550223"/>
+            <a:ext cx="11153422" cy="307777"/>
+          </a:xfrm>
+          <a:prstGeom prst="rect">
+            <a:avLst/>
+          </a:prstGeom>
+          <a:noFill/>
+        </p:spPr>
+        <p:txBody>
+          <a:bodyPr wrap="square" rtlCol="0">
+            <a:spAutoFit/>
+          </a:bodyPr>
+          <a:lstStyle/>
+          <a:p>
+            <a:r>
+              <a:rPr lang="en-GB" sz="1400" b="1" i="0" dirty="0">
+                <a:effectLst/>
+                <a:latin typeface="Merriweather Sans" panose="020F0502020204030204" pitchFamily="34" charset="0"/>
+              </a:rPr>
+              <a:t>Jeffrey M. Pullin &amp; Davis J. McCarthy</a:t>
+            </a:r>
+            <a:r>
+              <a:rPr lang="ru-RU" sz="1400" b="1" dirty="0">
+                <a:latin typeface="Merriweather Sans" panose="020F0502020204030204" pitchFamily="34" charset="0"/>
+              </a:rPr>
+              <a:t>. «</a:t>
+            </a:r>
+            <a:r>
+              <a:rPr lang="en-GB" sz="1400" b="1" i="0" dirty="0">
+                <a:effectLst/>
+                <a:latin typeface="Merriweather Sans" panose="020F0502020204030204" pitchFamily="34" charset="0"/>
+              </a:rPr>
+              <a:t>A comparison of marker gene selection methods for single-cell RNA sequencing data</a:t>
+            </a:r>
+            <a:r>
+              <a:rPr lang="ru-RU" sz="1400" b="1" i="0" dirty="0">
+                <a:effectLst/>
+                <a:latin typeface="Merriweather Sans" panose="020F0502020204030204" pitchFamily="34" charset="0"/>
+              </a:rPr>
+              <a:t>»</a:t>
+            </a:r>
+            <a:endParaRPr lang="en-GB" sz="1400" b="1" i="0" dirty="0">
+              <a:effectLst/>
+              <a:latin typeface="Merriweather Sans" panose="020F0502020204030204" pitchFamily="34" charset="0"/>
+            </a:endParaRPr>
+          </a:p>
+        </p:txBody>
+      </p:sp>
+    </p:spTree>
+    <p:extLst>
+      <p:ext uri="{BB962C8B-B14F-4D97-AF65-F5344CB8AC3E}">
+        <p14:creationId xmlns:p14="http://schemas.microsoft.com/office/powerpoint/2010/main" val="3733135144"/>
+      </p:ext>
+    </p:extLst>
+  </p:cSld>
+  <p:clrMapOvr>
+    <a:masterClrMapping/>
+  </p:clrMapOvr>
+</p:sld>
+</file>
+
 <file path=ppt/slides/slide2.xml><?xml version="1.0" encoding="utf-8"?>
 <p:sld xmlns:a="http://schemas.openxmlformats.org/drawingml/2006/main" xmlns:r="http://schemas.openxmlformats.org/officeDocument/2006/relationships" xmlns:p="http://schemas.openxmlformats.org/presentationml/2006/main">
   <p:cSld>
@@ -4813,7 +5089,7 @@
           <a:p>
             <a:r>
               <a:rPr lang="ru-RU" sz="2400" b="1" dirty="0"/>
-              <a:t>30</a:t>
+              <a:t>17</a:t>
             </a:r>
             <a:endParaRPr lang="en-RU" sz="2400" b="1" dirty="0"/>
           </a:p>
@@ -4870,7 +5146,7 @@
         <p:spPr>
           <a:xfrm>
             <a:off x="4885659" y="3697121"/>
-            <a:ext cx="532306" cy="461665"/>
+            <a:ext cx="402035" cy="461665"/>
           </a:xfrm>
           <a:prstGeom prst="rect">
             <a:avLst/>
@@ -4885,7 +5161,7 @@
           <a:p>
             <a:r>
               <a:rPr lang="ru-RU" sz="2400" b="1" dirty="0"/>
-              <a:t>12</a:t>
+              <a:t>1</a:t>
             </a:r>
             <a:endParaRPr lang="en-RU" sz="2400" b="1" dirty="0"/>
           </a:p>
@@ -4905,8 +5181,8 @@
         </p:nvSpPr>
         <p:spPr>
           <a:xfrm>
-            <a:off x="6774034" y="3697121"/>
-            <a:ext cx="568397" cy="461665"/>
+            <a:off x="6870677" y="3701473"/>
+            <a:ext cx="371283" cy="461665"/>
           </a:xfrm>
           <a:prstGeom prst="rect">
             <a:avLst/>
@@ -4923,10 +5199,7 @@
               <a:rPr lang="ru-RU" sz="2400" b="1" dirty="0"/>
               <a:t>1</a:t>
             </a:r>
-            <a:r>
-              <a:rPr lang="en-RU" sz="2400" b="1" dirty="0"/>
-              <a:t>2</a:t>
-            </a:r>
+            <a:endParaRPr lang="en-RU" sz="2400" b="1" dirty="0"/>
           </a:p>
         </p:txBody>
       </p:sp>
@@ -4960,7 +5233,7 @@
           <a:p>
             <a:r>
               <a:rPr lang="ru-RU" sz="2400" b="1" dirty="0"/>
-              <a:t>25</a:t>
+              <a:t>14</a:t>
             </a:r>
             <a:endParaRPr lang="en-RU" sz="2400" b="1" dirty="0"/>
           </a:p>
@@ -5270,8 +5543,8 @@
         </p:nvSpPr>
         <p:spPr>
           <a:xfrm>
-            <a:off x="4468084" y="5470510"/>
-            <a:ext cx="578583" cy="461665"/>
+            <a:off x="4183508" y="5470510"/>
+            <a:ext cx="381437" cy="461665"/>
           </a:xfrm>
           <a:prstGeom prst="rect">
             <a:avLst/>
@@ -5286,7 +5559,7 @@
           <a:p>
             <a:r>
               <a:rPr lang="ru-RU" sz="2400" b="1" dirty="0"/>
-              <a:t>30</a:t>
+              <a:t>4</a:t>
             </a:r>
             <a:endParaRPr lang="en-RU" sz="2400" b="1" dirty="0"/>
           </a:p>
@@ -5306,8 +5579,8 @@
         </p:nvSpPr>
         <p:spPr>
           <a:xfrm>
-            <a:off x="7239185" y="5470510"/>
-            <a:ext cx="578583" cy="461665"/>
+            <a:off x="7448676" y="5463762"/>
+            <a:ext cx="369092" cy="461665"/>
           </a:xfrm>
           <a:prstGeom prst="rect">
             <a:avLst/>
@@ -5322,7 +5595,7 @@
           <a:p>
             <a:r>
               <a:rPr lang="ru-RU" sz="2400" b="1" dirty="0"/>
-              <a:t>30</a:t>
+              <a:t>4</a:t>
             </a:r>
             <a:endParaRPr lang="en-RU" sz="2400" b="1" dirty="0"/>
           </a:p>
@@ -5331,7 +5604,7 @@
     </p:spTree>
     <p:extLst>
       <p:ext uri="{BB962C8B-B14F-4D97-AF65-F5344CB8AC3E}">
-        <p14:creationId xmlns:p14="http://schemas.microsoft.com/office/powerpoint/2010/main" val="3221882686"/>
+        <p14:creationId xmlns:p14="http://schemas.microsoft.com/office/powerpoint/2010/main" val="2471100697"/>
       </p:ext>
     </p:extLst>
   </p:cSld>
@@ -5358,42 +5631,12 @@
           <a:chExt cx="0" cy="0"/>
         </a:xfrm>
       </p:grpSpPr>
-      <p:pic>
-        <p:nvPicPr>
-          <p:cNvPr id="5" name="Picture 4">
-            <a:extLst>
-              <a:ext uri="{FF2B5EF4-FFF2-40B4-BE49-F238E27FC236}">
-                <a16:creationId xmlns:a16="http://schemas.microsoft.com/office/drawing/2014/main" id="{1B5EBEA1-9809-18FD-8A10-E399E9116318}"/>
-              </a:ext>
-            </a:extLst>
-          </p:cNvPr>
-          <p:cNvPicPr>
-            <a:picLocks noChangeAspect="1"/>
-          </p:cNvPicPr>
-          <p:nvPr/>
-        </p:nvPicPr>
-        <p:blipFill>
-          <a:blip r:embed="rId2"/>
-          <a:stretch>
-            <a:fillRect/>
-          </a:stretch>
-        </p:blipFill>
-        <p:spPr>
-          <a:xfrm>
-            <a:off x="2967531" y="1672098"/>
-            <a:ext cx="6256925" cy="4723644"/>
-          </a:xfrm>
-          <a:prstGeom prst="rect">
-            <a:avLst/>
-          </a:prstGeom>
-        </p:spPr>
-      </p:pic>
       <p:sp>
         <p:nvSpPr>
           <p:cNvPr id="2" name="TextBox 1">
             <a:extLst>
               <a:ext uri="{FF2B5EF4-FFF2-40B4-BE49-F238E27FC236}">
-                <a16:creationId xmlns:a16="http://schemas.microsoft.com/office/drawing/2014/main" id="{B5A29409-3270-6B7E-01A5-0DB1CFBE61D5}"/>
+                <a16:creationId xmlns:a16="http://schemas.microsoft.com/office/drawing/2014/main" id="{D59F3ACD-8CA9-205D-32F2-6FA2DFE9D724}"/>
               </a:ext>
             </a:extLst>
           </p:cNvPr>
@@ -5402,7 +5645,7 @@
         </p:nvSpPr>
         <p:spPr>
           <a:xfrm>
-            <a:off x="3582711" y="228152"/>
+            <a:off x="3582709" y="146166"/>
             <a:ext cx="5026569" cy="646331"/>
           </a:xfrm>
           <a:prstGeom prst="rect">
@@ -5424,12 +5667,1705 @@
           </a:p>
         </p:txBody>
       </p:sp>
-      <p:sp>
-        <p:nvSpPr>
-          <p:cNvPr id="3" name="TextBox 2">
-            <a:extLst>
-              <a:ext uri="{FF2B5EF4-FFF2-40B4-BE49-F238E27FC236}">
-                <a16:creationId xmlns:a16="http://schemas.microsoft.com/office/drawing/2014/main" id="{B653A868-F7DF-2B80-39E5-B711E8BF2E2B}"/>
+      <p:graphicFrame>
+        <p:nvGraphicFramePr>
+          <p:cNvPr id="3" name="Table 2">
+            <a:extLst>
+              <a:ext uri="{FF2B5EF4-FFF2-40B4-BE49-F238E27FC236}">
+                <a16:creationId xmlns:a16="http://schemas.microsoft.com/office/drawing/2014/main" id="{D536E743-1B64-01CA-F59E-592CB536B847}"/>
+              </a:ext>
+            </a:extLst>
+          </p:cNvPr>
+          <p:cNvGraphicFramePr>
+            <a:graphicFrameLocks noGrp="1"/>
+          </p:cNvGraphicFramePr>
+          <p:nvPr>
+            <p:extLst>
+              <p:ext uri="{D42A27DB-BD31-4B8C-83A1-F6EECF244321}">
+                <p14:modId xmlns:p14="http://schemas.microsoft.com/office/powerpoint/2010/main" val="3915959341"/>
+              </p:ext>
+            </p:extLst>
+          </p:nvPr>
+        </p:nvGraphicFramePr>
+        <p:xfrm>
+          <a:off x="879225" y="1479689"/>
+          <a:ext cx="10433535" cy="5303520"/>
+        </p:xfrm>
+        <a:graphic>
+          <a:graphicData uri="http://schemas.openxmlformats.org/drawingml/2006/table">
+            <a:tbl>
+              <a:tblPr firstRow="1" bandRow="1">
+                <a:tableStyleId>{912C8C85-51F0-491E-9774-3900AFEF0FD7}</a:tableStyleId>
+              </a:tblPr>
+              <a:tblGrid>
+                <a:gridCol w="1490505">
+                  <a:extLst>
+                    <a:ext uri="{9D8B030D-6E8A-4147-A177-3AD203B41FA5}">
+                      <a16:colId xmlns:a16="http://schemas.microsoft.com/office/drawing/2014/main" val="1035433411"/>
+                    </a:ext>
+                  </a:extLst>
+                </a:gridCol>
+                <a:gridCol w="1490505">
+                  <a:extLst>
+                    <a:ext uri="{9D8B030D-6E8A-4147-A177-3AD203B41FA5}">
+                      <a16:colId xmlns:a16="http://schemas.microsoft.com/office/drawing/2014/main" val="3934688148"/>
+                    </a:ext>
+                  </a:extLst>
+                </a:gridCol>
+                <a:gridCol w="1490505">
+                  <a:extLst>
+                    <a:ext uri="{9D8B030D-6E8A-4147-A177-3AD203B41FA5}">
+                      <a16:colId xmlns:a16="http://schemas.microsoft.com/office/drawing/2014/main" val="2047520077"/>
+                    </a:ext>
+                  </a:extLst>
+                </a:gridCol>
+                <a:gridCol w="1490505">
+                  <a:extLst>
+                    <a:ext uri="{9D8B030D-6E8A-4147-A177-3AD203B41FA5}">
+                      <a16:colId xmlns:a16="http://schemas.microsoft.com/office/drawing/2014/main" val="2665858943"/>
+                    </a:ext>
+                  </a:extLst>
+                </a:gridCol>
+                <a:gridCol w="1490505">
+                  <a:extLst>
+                    <a:ext uri="{9D8B030D-6E8A-4147-A177-3AD203B41FA5}">
+                      <a16:colId xmlns:a16="http://schemas.microsoft.com/office/drawing/2014/main" val="1965291516"/>
+                    </a:ext>
+                  </a:extLst>
+                </a:gridCol>
+                <a:gridCol w="1490505">
+                  <a:extLst>
+                    <a:ext uri="{9D8B030D-6E8A-4147-A177-3AD203B41FA5}">
+                      <a16:colId xmlns:a16="http://schemas.microsoft.com/office/drawing/2014/main" val="3784351267"/>
+                    </a:ext>
+                  </a:extLst>
+                </a:gridCol>
+                <a:gridCol w="1490505">
+                  <a:extLst>
+                    <a:ext uri="{9D8B030D-6E8A-4147-A177-3AD203B41FA5}">
+                      <a16:colId xmlns:a16="http://schemas.microsoft.com/office/drawing/2014/main" val="3155009380"/>
+                    </a:ext>
+                  </a:extLst>
+                </a:gridCol>
+              </a:tblGrid>
+              <a:tr h="370840">
+                <a:tc>
+                  <a:txBody>
+                    <a:bodyPr/>
+                    <a:lstStyle/>
+                    <a:p>
+                      <a:pPr algn="ctr">
+                        <a:lnSpc>
+                          <a:spcPct val="100000"/>
+                        </a:lnSpc>
+                      </a:pPr>
+                      <a:endParaRPr lang="en-RU" sz="2000" dirty="0">
+                        <a:solidFill>
+                          <a:schemeClr val="tx1"/>
+                        </a:solidFill>
+                      </a:endParaRPr>
+                    </a:p>
+                  </a:txBody>
+                  <a:tcPr anchor="ctr">
+                    <a:solidFill>
+                      <a:schemeClr val="accent6">
+                        <a:lumMod val="40000"/>
+                        <a:lumOff val="60000"/>
+                      </a:schemeClr>
+                    </a:solidFill>
+                  </a:tcPr>
+                </a:tc>
+                <a:tc>
+                  <a:txBody>
+                    <a:bodyPr/>
+                    <a:lstStyle/>
+                    <a:p>
+                      <a:pPr algn="ctr">
+                        <a:lnSpc>
+                          <a:spcPct val="100000"/>
+                        </a:lnSpc>
+                      </a:pPr>
+                      <a:r>
+                        <a:rPr lang="ru-RU" sz="2000" dirty="0">
+                          <a:solidFill>
+                            <a:schemeClr val="tx1"/>
+                          </a:solidFill>
+                        </a:rPr>
+                        <a:t>Т-тест</a:t>
+                      </a:r>
+                      <a:endParaRPr lang="en-RU" sz="2000" dirty="0">
+                        <a:solidFill>
+                          <a:schemeClr val="tx1"/>
+                        </a:solidFill>
+                      </a:endParaRPr>
+                    </a:p>
+                  </a:txBody>
+                  <a:tcPr anchor="ctr">
+                    <a:solidFill>
+                      <a:schemeClr val="accent6">
+                        <a:lumMod val="40000"/>
+                        <a:lumOff val="60000"/>
+                      </a:schemeClr>
+                    </a:solidFill>
+                  </a:tcPr>
+                </a:tc>
+                <a:tc>
+                  <a:txBody>
+                    <a:bodyPr/>
+                    <a:lstStyle/>
+                    <a:p>
+                      <a:pPr algn="ctr">
+                        <a:lnSpc>
+                          <a:spcPct val="100000"/>
+                        </a:lnSpc>
+                      </a:pPr>
+                      <a:endParaRPr lang="en-RU" sz="2000" dirty="0">
+                        <a:solidFill>
+                          <a:schemeClr val="tx1"/>
+                        </a:solidFill>
+                      </a:endParaRPr>
+                    </a:p>
+                  </a:txBody>
+                  <a:tcPr anchor="ctr">
+                    <a:solidFill>
+                      <a:schemeClr val="accent6">
+                        <a:lumMod val="40000"/>
+                        <a:lumOff val="60000"/>
+                      </a:schemeClr>
+                    </a:solidFill>
+                  </a:tcPr>
+                </a:tc>
+                <a:tc>
+                  <a:txBody>
+                    <a:bodyPr/>
+                    <a:lstStyle/>
+                    <a:p>
+                      <a:pPr algn="ctr">
+                        <a:lnSpc>
+                          <a:spcPct val="100000"/>
+                        </a:lnSpc>
+                      </a:pPr>
+                      <a:r>
+                        <a:rPr lang="ru-RU" sz="2000" dirty="0">
+                          <a:solidFill>
+                            <a:schemeClr val="tx1"/>
+                          </a:solidFill>
+                        </a:rPr>
+                        <a:t>Манна-Уитни</a:t>
+                      </a:r>
+                      <a:endParaRPr lang="en-RU" sz="2000" dirty="0">
+                        <a:solidFill>
+                          <a:schemeClr val="tx1"/>
+                        </a:solidFill>
+                      </a:endParaRPr>
+                    </a:p>
+                  </a:txBody>
+                  <a:tcPr anchor="ctr">
+                    <a:solidFill>
+                      <a:schemeClr val="accent6">
+                        <a:lumMod val="40000"/>
+                        <a:lumOff val="60000"/>
+                      </a:schemeClr>
+                    </a:solidFill>
+                  </a:tcPr>
+                </a:tc>
+                <a:tc>
+                  <a:txBody>
+                    <a:bodyPr/>
+                    <a:lstStyle/>
+                    <a:p>
+                      <a:pPr algn="ctr">
+                        <a:lnSpc>
+                          <a:spcPct val="100000"/>
+                        </a:lnSpc>
+                      </a:pPr>
+                      <a:endParaRPr lang="en-RU" sz="2000" dirty="0">
+                        <a:solidFill>
+                          <a:schemeClr val="tx1"/>
+                        </a:solidFill>
+                      </a:endParaRPr>
+                    </a:p>
+                  </a:txBody>
+                  <a:tcPr anchor="ctr">
+                    <a:solidFill>
+                      <a:schemeClr val="accent6">
+                        <a:lumMod val="40000"/>
+                        <a:lumOff val="60000"/>
+                      </a:schemeClr>
+                    </a:solidFill>
+                  </a:tcPr>
+                </a:tc>
+                <a:tc>
+                  <a:txBody>
+                    <a:bodyPr/>
+                    <a:lstStyle/>
+                    <a:p>
+                      <a:pPr algn="ctr">
+                        <a:lnSpc>
+                          <a:spcPct val="100000"/>
+                        </a:lnSpc>
+                      </a:pPr>
+                      <a:r>
+                        <a:rPr lang="en-RU" sz="2000" dirty="0">
+                          <a:solidFill>
+                            <a:schemeClr val="tx1"/>
+                          </a:solidFill>
+                        </a:rPr>
+                        <a:t>pydeseq2</a:t>
+                      </a:r>
+                    </a:p>
+                  </a:txBody>
+                  <a:tcPr anchor="ctr">
+                    <a:solidFill>
+                      <a:schemeClr val="accent6">
+                        <a:lumMod val="40000"/>
+                        <a:lumOff val="60000"/>
+                      </a:schemeClr>
+                    </a:solidFill>
+                  </a:tcPr>
+                </a:tc>
+                <a:tc>
+                  <a:txBody>
+                    <a:bodyPr/>
+                    <a:lstStyle/>
+                    <a:p>
+                      <a:pPr algn="ctr">
+                        <a:lnSpc>
+                          <a:spcPct val="100000"/>
+                        </a:lnSpc>
+                      </a:pPr>
+                      <a:endParaRPr lang="en-RU" sz="2000" dirty="0">
+                        <a:solidFill>
+                          <a:schemeClr val="tx1"/>
+                        </a:solidFill>
+                      </a:endParaRPr>
+                    </a:p>
+                  </a:txBody>
+                  <a:tcPr anchor="ctr">
+                    <a:solidFill>
+                      <a:schemeClr val="accent6">
+                        <a:lumMod val="40000"/>
+                        <a:lumOff val="60000"/>
+                      </a:schemeClr>
+                    </a:solidFill>
+                  </a:tcPr>
+                </a:tc>
+                <a:extLst>
+                  <a:ext uri="{0D108BD9-81ED-4DB2-BD59-A6C34878D82A}">
+                    <a16:rowId xmlns:a16="http://schemas.microsoft.com/office/drawing/2014/main" val="3911964648"/>
+                  </a:ext>
+                </a:extLst>
+              </a:tr>
+              <a:tr h="370840">
+                <a:tc>
+                  <a:txBody>
+                    <a:bodyPr/>
+                    <a:lstStyle/>
+                    <a:p>
+                      <a:pPr algn="ctr">
+                        <a:lnSpc>
+                          <a:spcPct val="100000"/>
+                        </a:lnSpc>
+                      </a:pPr>
+                      <a:r>
+                        <a:rPr lang="ru-RU" sz="2000" dirty="0">
+                          <a:solidFill>
+                            <a:schemeClr val="tx1"/>
+                          </a:solidFill>
+                        </a:rPr>
+                        <a:t>В клетки (кластер 1)</a:t>
+                      </a:r>
+                      <a:endParaRPr lang="en-RU" sz="2000" dirty="0">
+                        <a:solidFill>
+                          <a:schemeClr val="tx1"/>
+                        </a:solidFill>
+                      </a:endParaRPr>
+                    </a:p>
+                  </a:txBody>
+                  <a:tcPr anchor="ctr"/>
+                </a:tc>
+                <a:tc>
+                  <a:txBody>
+                    <a:bodyPr/>
+                    <a:lstStyle/>
+                    <a:p>
+                      <a:pPr algn="ctr">
+                        <a:lnSpc>
+                          <a:spcPct val="100000"/>
+                        </a:lnSpc>
+                      </a:pPr>
+                      <a:r>
+                        <a:rPr lang="ru-RU" sz="2000" dirty="0">
+                          <a:solidFill>
+                            <a:schemeClr val="tx1"/>
+                          </a:solidFill>
+                        </a:rPr>
+                        <a:t>12/30</a:t>
+                      </a:r>
+                      <a:endParaRPr lang="en-RU" sz="2000" dirty="0">
+                        <a:solidFill>
+                          <a:schemeClr val="tx1"/>
+                        </a:solidFill>
+                      </a:endParaRPr>
+                    </a:p>
+                  </a:txBody>
+                  <a:tcPr anchor="ctr"/>
+                </a:tc>
+                <a:tc>
+                  <a:txBody>
+                    <a:bodyPr/>
+                    <a:lstStyle/>
+                    <a:p>
+                      <a:pPr algn="ctr">
+                        <a:lnSpc>
+                          <a:spcPct val="100000"/>
+                        </a:lnSpc>
+                      </a:pPr>
+                      <a:r>
+                        <a:rPr lang="ru-RU" sz="2000" dirty="0">
+                          <a:solidFill>
+                            <a:schemeClr val="tx1"/>
+                          </a:solidFill>
+                        </a:rPr>
+                        <a:t>40%</a:t>
+                      </a:r>
+                      <a:endParaRPr lang="en-RU" sz="2000" dirty="0">
+                        <a:solidFill>
+                          <a:schemeClr val="tx1"/>
+                        </a:solidFill>
+                      </a:endParaRPr>
+                    </a:p>
+                  </a:txBody>
+                  <a:tcPr anchor="ctr"/>
+                </a:tc>
+                <a:tc>
+                  <a:txBody>
+                    <a:bodyPr/>
+                    <a:lstStyle/>
+                    <a:p>
+                      <a:pPr algn="ctr">
+                        <a:lnSpc>
+                          <a:spcPct val="100000"/>
+                        </a:lnSpc>
+                      </a:pPr>
+                      <a:r>
+                        <a:rPr lang="ru-RU" sz="2000" dirty="0">
+                          <a:solidFill>
+                            <a:schemeClr val="tx1"/>
+                          </a:solidFill>
+                        </a:rPr>
+                        <a:t>12/30</a:t>
+                      </a:r>
+                      <a:endParaRPr lang="en-RU" sz="2000" dirty="0">
+                        <a:solidFill>
+                          <a:schemeClr val="tx1"/>
+                        </a:solidFill>
+                      </a:endParaRPr>
+                    </a:p>
+                  </a:txBody>
+                  <a:tcPr anchor="ctr"/>
+                </a:tc>
+                <a:tc>
+                  <a:txBody>
+                    <a:bodyPr/>
+                    <a:lstStyle/>
+                    <a:p>
+                      <a:pPr algn="ctr">
+                        <a:lnSpc>
+                          <a:spcPct val="100000"/>
+                        </a:lnSpc>
+                      </a:pPr>
+                      <a:r>
+                        <a:rPr lang="ru-RU" sz="2000" dirty="0">
+                          <a:solidFill>
+                            <a:schemeClr val="tx1"/>
+                          </a:solidFill>
+                        </a:rPr>
+                        <a:t>40%</a:t>
+                      </a:r>
+                      <a:endParaRPr lang="en-RU" sz="2000" dirty="0">
+                        <a:solidFill>
+                          <a:schemeClr val="tx1"/>
+                        </a:solidFill>
+                      </a:endParaRPr>
+                    </a:p>
+                  </a:txBody>
+                  <a:tcPr anchor="ctr"/>
+                </a:tc>
+                <a:tc>
+                  <a:txBody>
+                    <a:bodyPr/>
+                    <a:lstStyle/>
+                    <a:p>
+                      <a:pPr algn="ctr">
+                        <a:lnSpc>
+                          <a:spcPct val="100000"/>
+                        </a:lnSpc>
+                      </a:pPr>
+                      <a:r>
+                        <a:rPr lang="ru-RU" sz="2000" dirty="0">
+                          <a:solidFill>
+                            <a:schemeClr val="tx1"/>
+                          </a:solidFill>
+                        </a:rPr>
+                        <a:t>11/30</a:t>
+                      </a:r>
+                      <a:endParaRPr lang="en-RU" sz="2000" dirty="0">
+                        <a:solidFill>
+                          <a:schemeClr val="tx1"/>
+                        </a:solidFill>
+                      </a:endParaRPr>
+                    </a:p>
+                  </a:txBody>
+                  <a:tcPr anchor="ctr"/>
+                </a:tc>
+                <a:tc>
+                  <a:txBody>
+                    <a:bodyPr/>
+                    <a:lstStyle/>
+                    <a:p>
+                      <a:pPr algn="ctr">
+                        <a:lnSpc>
+                          <a:spcPct val="100000"/>
+                        </a:lnSpc>
+                      </a:pPr>
+                      <a:r>
+                        <a:rPr lang="ru-RU" sz="2000" dirty="0">
+                          <a:solidFill>
+                            <a:schemeClr val="tx1"/>
+                          </a:solidFill>
+                        </a:rPr>
+                        <a:t>37%</a:t>
+                      </a:r>
+                      <a:endParaRPr lang="en-RU" sz="2000" dirty="0">
+                        <a:solidFill>
+                          <a:schemeClr val="tx1"/>
+                        </a:solidFill>
+                      </a:endParaRPr>
+                    </a:p>
+                  </a:txBody>
+                  <a:tcPr anchor="ctr"/>
+                </a:tc>
+                <a:extLst>
+                  <a:ext uri="{0D108BD9-81ED-4DB2-BD59-A6C34878D82A}">
+                    <a16:rowId xmlns:a16="http://schemas.microsoft.com/office/drawing/2014/main" val="3094391564"/>
+                  </a:ext>
+                </a:extLst>
+              </a:tr>
+              <a:tr h="370840">
+                <a:tc>
+                  <a:txBody>
+                    <a:bodyPr/>
+                    <a:lstStyle/>
+                    <a:p>
+                      <a:pPr marL="0" marR="0" lvl="0" indent="0" algn="ctr" defTabSz="914400" rtl="0" eaLnBrk="1" fontAlgn="auto" latinLnBrk="0" hangingPunct="1">
+                        <a:lnSpc>
+                          <a:spcPct val="100000"/>
+                        </a:lnSpc>
+                        <a:spcBef>
+                          <a:spcPts val="0"/>
+                        </a:spcBef>
+                        <a:spcAft>
+                          <a:spcPts val="0"/>
+                        </a:spcAft>
+                        <a:buClrTx/>
+                        <a:buSzTx/>
+                        <a:buFontTx/>
+                        <a:buNone/>
+                        <a:tabLst/>
+                        <a:defRPr/>
+                      </a:pPr>
+                      <a:r>
+                        <a:rPr lang="ru-RU" sz="2000" dirty="0">
+                          <a:solidFill>
+                            <a:schemeClr val="tx1"/>
+                          </a:solidFill>
+                        </a:rPr>
+                        <a:t>В клетки (кластер 10)</a:t>
+                      </a:r>
+                      <a:endParaRPr lang="en-RU" sz="2000" dirty="0">
+                        <a:solidFill>
+                          <a:schemeClr val="tx1"/>
+                        </a:solidFill>
+                      </a:endParaRPr>
+                    </a:p>
+                  </a:txBody>
+                  <a:tcPr anchor="ctr"/>
+                </a:tc>
+                <a:tc>
+                  <a:txBody>
+                    <a:bodyPr/>
+                    <a:lstStyle/>
+                    <a:p>
+                      <a:pPr algn="ctr">
+                        <a:lnSpc>
+                          <a:spcPct val="100000"/>
+                        </a:lnSpc>
+                      </a:pPr>
+                      <a:r>
+                        <a:rPr lang="ru-RU" sz="2000" dirty="0">
+                          <a:solidFill>
+                            <a:schemeClr val="tx1"/>
+                          </a:solidFill>
+                        </a:rPr>
+                        <a:t>6/30</a:t>
+                      </a:r>
+                      <a:endParaRPr lang="en-RU" sz="2000" dirty="0">
+                        <a:solidFill>
+                          <a:schemeClr val="tx1"/>
+                        </a:solidFill>
+                      </a:endParaRPr>
+                    </a:p>
+                  </a:txBody>
+                  <a:tcPr anchor="ctr"/>
+                </a:tc>
+                <a:tc>
+                  <a:txBody>
+                    <a:bodyPr/>
+                    <a:lstStyle/>
+                    <a:p>
+                      <a:pPr algn="ctr">
+                        <a:lnSpc>
+                          <a:spcPct val="100000"/>
+                        </a:lnSpc>
+                      </a:pPr>
+                      <a:r>
+                        <a:rPr lang="ru-RU" sz="2000" dirty="0">
+                          <a:solidFill>
+                            <a:schemeClr val="tx1"/>
+                          </a:solidFill>
+                        </a:rPr>
+                        <a:t>20%</a:t>
+                      </a:r>
+                      <a:endParaRPr lang="en-RU" sz="2000" dirty="0">
+                        <a:solidFill>
+                          <a:schemeClr val="tx1"/>
+                        </a:solidFill>
+                      </a:endParaRPr>
+                    </a:p>
+                  </a:txBody>
+                  <a:tcPr anchor="ctr"/>
+                </a:tc>
+                <a:tc>
+                  <a:txBody>
+                    <a:bodyPr/>
+                    <a:lstStyle/>
+                    <a:p>
+                      <a:pPr algn="ctr">
+                        <a:lnSpc>
+                          <a:spcPct val="100000"/>
+                        </a:lnSpc>
+                      </a:pPr>
+                      <a:r>
+                        <a:rPr lang="ru-RU" sz="2000" dirty="0">
+                          <a:solidFill>
+                            <a:schemeClr val="tx1"/>
+                          </a:solidFill>
+                        </a:rPr>
+                        <a:t>9/30</a:t>
+                      </a:r>
+                      <a:endParaRPr lang="en-RU" sz="2000" dirty="0">
+                        <a:solidFill>
+                          <a:schemeClr val="tx1"/>
+                        </a:solidFill>
+                      </a:endParaRPr>
+                    </a:p>
+                  </a:txBody>
+                  <a:tcPr anchor="ctr"/>
+                </a:tc>
+                <a:tc>
+                  <a:txBody>
+                    <a:bodyPr/>
+                    <a:lstStyle/>
+                    <a:p>
+                      <a:pPr algn="ctr">
+                        <a:lnSpc>
+                          <a:spcPct val="100000"/>
+                        </a:lnSpc>
+                      </a:pPr>
+                      <a:r>
+                        <a:rPr lang="ru-RU" sz="2000" dirty="0">
+                          <a:solidFill>
+                            <a:schemeClr val="tx1"/>
+                          </a:solidFill>
+                        </a:rPr>
+                        <a:t>30%</a:t>
+                      </a:r>
+                      <a:endParaRPr lang="en-RU" sz="2000" dirty="0">
+                        <a:solidFill>
+                          <a:schemeClr val="tx1"/>
+                        </a:solidFill>
+                      </a:endParaRPr>
+                    </a:p>
+                  </a:txBody>
+                  <a:tcPr anchor="ctr"/>
+                </a:tc>
+                <a:tc>
+                  <a:txBody>
+                    <a:bodyPr/>
+                    <a:lstStyle/>
+                    <a:p>
+                      <a:pPr algn="ctr">
+                        <a:lnSpc>
+                          <a:spcPct val="100000"/>
+                        </a:lnSpc>
+                      </a:pPr>
+                      <a:r>
+                        <a:rPr lang="ru-RU" sz="2000" dirty="0">
+                          <a:solidFill>
+                            <a:schemeClr val="tx1"/>
+                          </a:solidFill>
+                        </a:rPr>
+                        <a:t>7/30</a:t>
+                      </a:r>
+                      <a:endParaRPr lang="en-RU" sz="2000" dirty="0">
+                        <a:solidFill>
+                          <a:schemeClr val="tx1"/>
+                        </a:solidFill>
+                      </a:endParaRPr>
+                    </a:p>
+                  </a:txBody>
+                  <a:tcPr anchor="ctr"/>
+                </a:tc>
+                <a:tc>
+                  <a:txBody>
+                    <a:bodyPr/>
+                    <a:lstStyle/>
+                    <a:p>
+                      <a:pPr algn="ctr">
+                        <a:lnSpc>
+                          <a:spcPct val="100000"/>
+                        </a:lnSpc>
+                      </a:pPr>
+                      <a:r>
+                        <a:rPr lang="ru-RU" sz="2000" dirty="0">
+                          <a:solidFill>
+                            <a:schemeClr val="tx1"/>
+                          </a:solidFill>
+                        </a:rPr>
+                        <a:t>23%</a:t>
+                      </a:r>
+                      <a:endParaRPr lang="en-RU" sz="2000" dirty="0">
+                        <a:solidFill>
+                          <a:schemeClr val="tx1"/>
+                        </a:solidFill>
+                      </a:endParaRPr>
+                    </a:p>
+                  </a:txBody>
+                  <a:tcPr anchor="ctr"/>
+                </a:tc>
+                <a:extLst>
+                  <a:ext uri="{0D108BD9-81ED-4DB2-BD59-A6C34878D82A}">
+                    <a16:rowId xmlns:a16="http://schemas.microsoft.com/office/drawing/2014/main" val="3104246776"/>
+                  </a:ext>
+                </a:extLst>
+              </a:tr>
+              <a:tr h="370840">
+                <a:tc>
+                  <a:txBody>
+                    <a:bodyPr/>
+                    <a:lstStyle/>
+                    <a:p>
+                      <a:pPr algn="ctr">
+                        <a:lnSpc>
+                          <a:spcPct val="100000"/>
+                        </a:lnSpc>
+                      </a:pPr>
+                      <a:r>
+                        <a:rPr lang="ru-RU" sz="2000" dirty="0">
+                          <a:solidFill>
+                            <a:schemeClr val="tx1"/>
+                          </a:solidFill>
+                        </a:rPr>
+                        <a:t>Т клетки (кластер 0)</a:t>
+                      </a:r>
+                      <a:endParaRPr lang="en-RU" sz="2000" dirty="0">
+                        <a:solidFill>
+                          <a:schemeClr val="tx1"/>
+                        </a:solidFill>
+                      </a:endParaRPr>
+                    </a:p>
+                  </a:txBody>
+                  <a:tcPr anchor="ctr"/>
+                </a:tc>
+                <a:tc>
+                  <a:txBody>
+                    <a:bodyPr/>
+                    <a:lstStyle/>
+                    <a:p>
+                      <a:pPr algn="ctr">
+                        <a:lnSpc>
+                          <a:spcPct val="100000"/>
+                        </a:lnSpc>
+                      </a:pPr>
+                      <a:r>
+                        <a:rPr lang="ru-RU" sz="2000" dirty="0">
+                          <a:solidFill>
+                            <a:schemeClr val="tx1"/>
+                          </a:solidFill>
+                        </a:rPr>
+                        <a:t>9/30</a:t>
+                      </a:r>
+                      <a:endParaRPr lang="en-RU" sz="2000" dirty="0">
+                        <a:solidFill>
+                          <a:schemeClr val="tx1"/>
+                        </a:solidFill>
+                      </a:endParaRPr>
+                    </a:p>
+                  </a:txBody>
+                  <a:tcPr anchor="ctr"/>
+                </a:tc>
+                <a:tc>
+                  <a:txBody>
+                    <a:bodyPr/>
+                    <a:lstStyle/>
+                    <a:p>
+                      <a:pPr algn="ctr">
+                        <a:lnSpc>
+                          <a:spcPct val="100000"/>
+                        </a:lnSpc>
+                      </a:pPr>
+                      <a:r>
+                        <a:rPr lang="ru-RU" sz="2000" dirty="0">
+                          <a:solidFill>
+                            <a:schemeClr val="tx1"/>
+                          </a:solidFill>
+                        </a:rPr>
+                        <a:t>30%</a:t>
+                      </a:r>
+                      <a:endParaRPr lang="en-RU" sz="2000" dirty="0">
+                        <a:solidFill>
+                          <a:schemeClr val="tx1"/>
+                        </a:solidFill>
+                      </a:endParaRPr>
+                    </a:p>
+                  </a:txBody>
+                  <a:tcPr anchor="ctr"/>
+                </a:tc>
+                <a:tc>
+                  <a:txBody>
+                    <a:bodyPr/>
+                    <a:lstStyle/>
+                    <a:p>
+                      <a:pPr algn="ctr">
+                        <a:lnSpc>
+                          <a:spcPct val="100000"/>
+                        </a:lnSpc>
+                      </a:pPr>
+                      <a:r>
+                        <a:rPr lang="ru-RU" sz="2000" dirty="0">
+                          <a:solidFill>
+                            <a:schemeClr val="tx1"/>
+                          </a:solidFill>
+                        </a:rPr>
+                        <a:t>10/30</a:t>
+                      </a:r>
+                      <a:endParaRPr lang="en-RU" sz="2000" dirty="0">
+                        <a:solidFill>
+                          <a:schemeClr val="tx1"/>
+                        </a:solidFill>
+                      </a:endParaRPr>
+                    </a:p>
+                  </a:txBody>
+                  <a:tcPr anchor="ctr"/>
+                </a:tc>
+                <a:tc>
+                  <a:txBody>
+                    <a:bodyPr/>
+                    <a:lstStyle/>
+                    <a:p>
+                      <a:pPr algn="ctr">
+                        <a:lnSpc>
+                          <a:spcPct val="100000"/>
+                        </a:lnSpc>
+                      </a:pPr>
+                      <a:r>
+                        <a:rPr lang="ru-RU" sz="2000" dirty="0">
+                          <a:solidFill>
+                            <a:schemeClr val="tx1"/>
+                          </a:solidFill>
+                        </a:rPr>
+                        <a:t>33%</a:t>
+                      </a:r>
+                      <a:endParaRPr lang="en-RU" sz="2000" dirty="0">
+                        <a:solidFill>
+                          <a:schemeClr val="tx1"/>
+                        </a:solidFill>
+                      </a:endParaRPr>
+                    </a:p>
+                  </a:txBody>
+                  <a:tcPr anchor="ctr"/>
+                </a:tc>
+                <a:tc>
+                  <a:txBody>
+                    <a:bodyPr/>
+                    <a:lstStyle/>
+                    <a:p>
+                      <a:pPr algn="ctr">
+                        <a:lnSpc>
+                          <a:spcPct val="100000"/>
+                        </a:lnSpc>
+                      </a:pPr>
+                      <a:r>
+                        <a:rPr lang="ru-RU" sz="2000" dirty="0">
+                          <a:solidFill>
+                            <a:schemeClr val="tx1"/>
+                          </a:solidFill>
+                        </a:rPr>
+                        <a:t>1/30</a:t>
+                      </a:r>
+                      <a:endParaRPr lang="en-RU" sz="2000" dirty="0">
+                        <a:solidFill>
+                          <a:schemeClr val="tx1"/>
+                        </a:solidFill>
+                      </a:endParaRPr>
+                    </a:p>
+                  </a:txBody>
+                  <a:tcPr anchor="ctr"/>
+                </a:tc>
+                <a:tc>
+                  <a:txBody>
+                    <a:bodyPr/>
+                    <a:lstStyle/>
+                    <a:p>
+                      <a:pPr algn="ctr">
+                        <a:lnSpc>
+                          <a:spcPct val="100000"/>
+                        </a:lnSpc>
+                      </a:pPr>
+                      <a:r>
+                        <a:rPr lang="ru-RU" sz="2000" dirty="0">
+                          <a:solidFill>
+                            <a:schemeClr val="tx1"/>
+                          </a:solidFill>
+                        </a:rPr>
+                        <a:t>3%</a:t>
+                      </a:r>
+                      <a:endParaRPr lang="en-RU" sz="2000" dirty="0">
+                        <a:solidFill>
+                          <a:schemeClr val="tx1"/>
+                        </a:solidFill>
+                      </a:endParaRPr>
+                    </a:p>
+                  </a:txBody>
+                  <a:tcPr anchor="ctr"/>
+                </a:tc>
+                <a:extLst>
+                  <a:ext uri="{0D108BD9-81ED-4DB2-BD59-A6C34878D82A}">
+                    <a16:rowId xmlns:a16="http://schemas.microsoft.com/office/drawing/2014/main" val="2963133933"/>
+                  </a:ext>
+                </a:extLst>
+              </a:tr>
+              <a:tr h="370840">
+                <a:tc>
+                  <a:txBody>
+                    <a:bodyPr/>
+                    <a:lstStyle/>
+                    <a:p>
+                      <a:pPr algn="ctr">
+                        <a:lnSpc>
+                          <a:spcPct val="100000"/>
+                        </a:lnSpc>
+                      </a:pPr>
+                      <a:r>
+                        <a:rPr lang="ru-RU" sz="2000" dirty="0">
+                          <a:solidFill>
+                            <a:schemeClr val="tx1"/>
+                          </a:solidFill>
+                        </a:rPr>
+                        <a:t>Т клетки (кластер 3)</a:t>
+                      </a:r>
+                      <a:endParaRPr lang="en-RU" sz="2000" dirty="0">
+                        <a:solidFill>
+                          <a:schemeClr val="tx1"/>
+                        </a:solidFill>
+                      </a:endParaRPr>
+                    </a:p>
+                  </a:txBody>
+                  <a:tcPr anchor="ctr"/>
+                </a:tc>
+                <a:tc>
+                  <a:txBody>
+                    <a:bodyPr/>
+                    <a:lstStyle/>
+                    <a:p>
+                      <a:pPr algn="ctr">
+                        <a:lnSpc>
+                          <a:spcPct val="100000"/>
+                        </a:lnSpc>
+                      </a:pPr>
+                      <a:r>
+                        <a:rPr lang="ru-RU" sz="2000" dirty="0">
+                          <a:solidFill>
+                            <a:schemeClr val="tx1"/>
+                          </a:solidFill>
+                        </a:rPr>
+                        <a:t>8/30</a:t>
+                      </a:r>
+                      <a:endParaRPr lang="en-RU" sz="2000" dirty="0">
+                        <a:solidFill>
+                          <a:schemeClr val="tx1"/>
+                        </a:solidFill>
+                      </a:endParaRPr>
+                    </a:p>
+                  </a:txBody>
+                  <a:tcPr anchor="ctr"/>
+                </a:tc>
+                <a:tc>
+                  <a:txBody>
+                    <a:bodyPr/>
+                    <a:lstStyle/>
+                    <a:p>
+                      <a:pPr algn="ctr">
+                        <a:lnSpc>
+                          <a:spcPct val="100000"/>
+                        </a:lnSpc>
+                      </a:pPr>
+                      <a:r>
+                        <a:rPr lang="ru-RU" sz="2000" dirty="0">
+                          <a:solidFill>
+                            <a:schemeClr val="tx1"/>
+                          </a:solidFill>
+                        </a:rPr>
+                        <a:t>27%</a:t>
+                      </a:r>
+                      <a:endParaRPr lang="en-RU" sz="2000" dirty="0">
+                        <a:solidFill>
+                          <a:schemeClr val="tx1"/>
+                        </a:solidFill>
+                      </a:endParaRPr>
+                    </a:p>
+                  </a:txBody>
+                  <a:tcPr anchor="ctr"/>
+                </a:tc>
+                <a:tc>
+                  <a:txBody>
+                    <a:bodyPr/>
+                    <a:lstStyle/>
+                    <a:p>
+                      <a:pPr algn="ctr">
+                        <a:lnSpc>
+                          <a:spcPct val="100000"/>
+                        </a:lnSpc>
+                      </a:pPr>
+                      <a:r>
+                        <a:rPr lang="ru-RU" sz="2000" dirty="0">
+                          <a:solidFill>
+                            <a:schemeClr val="tx1"/>
+                          </a:solidFill>
+                        </a:rPr>
+                        <a:t>9/30</a:t>
+                      </a:r>
+                      <a:endParaRPr lang="en-RU" sz="2000" dirty="0">
+                        <a:solidFill>
+                          <a:schemeClr val="tx1"/>
+                        </a:solidFill>
+                      </a:endParaRPr>
+                    </a:p>
+                  </a:txBody>
+                  <a:tcPr anchor="ctr"/>
+                </a:tc>
+                <a:tc>
+                  <a:txBody>
+                    <a:bodyPr/>
+                    <a:lstStyle/>
+                    <a:p>
+                      <a:pPr algn="ctr">
+                        <a:lnSpc>
+                          <a:spcPct val="100000"/>
+                        </a:lnSpc>
+                      </a:pPr>
+                      <a:r>
+                        <a:rPr lang="ru-RU" sz="2000" dirty="0">
+                          <a:solidFill>
+                            <a:schemeClr val="tx1"/>
+                          </a:solidFill>
+                        </a:rPr>
+                        <a:t>30%</a:t>
+                      </a:r>
+                      <a:endParaRPr lang="en-RU" sz="2000" dirty="0">
+                        <a:solidFill>
+                          <a:schemeClr val="tx1"/>
+                        </a:solidFill>
+                      </a:endParaRPr>
+                    </a:p>
+                  </a:txBody>
+                  <a:tcPr anchor="ctr"/>
+                </a:tc>
+                <a:tc>
+                  <a:txBody>
+                    <a:bodyPr/>
+                    <a:lstStyle/>
+                    <a:p>
+                      <a:pPr algn="ctr">
+                        <a:lnSpc>
+                          <a:spcPct val="100000"/>
+                        </a:lnSpc>
+                      </a:pPr>
+                      <a:r>
+                        <a:rPr lang="ru-RU" sz="2000" dirty="0">
+                          <a:solidFill>
+                            <a:schemeClr val="tx1"/>
+                          </a:solidFill>
+                        </a:rPr>
+                        <a:t>0/30</a:t>
+                      </a:r>
+                      <a:endParaRPr lang="en-RU" sz="2000" dirty="0">
+                        <a:solidFill>
+                          <a:schemeClr val="tx1"/>
+                        </a:solidFill>
+                      </a:endParaRPr>
+                    </a:p>
+                  </a:txBody>
+                  <a:tcPr anchor="ctr"/>
+                </a:tc>
+                <a:tc>
+                  <a:txBody>
+                    <a:bodyPr/>
+                    <a:lstStyle/>
+                    <a:p>
+                      <a:pPr algn="ctr">
+                        <a:lnSpc>
+                          <a:spcPct val="100000"/>
+                        </a:lnSpc>
+                      </a:pPr>
+                      <a:r>
+                        <a:rPr lang="ru-RU" sz="2000" dirty="0">
+                          <a:solidFill>
+                            <a:schemeClr val="tx1"/>
+                          </a:solidFill>
+                        </a:rPr>
+                        <a:t> 0%</a:t>
+                      </a:r>
+                      <a:endParaRPr lang="en-RU" sz="2000" dirty="0">
+                        <a:solidFill>
+                          <a:schemeClr val="tx1"/>
+                        </a:solidFill>
+                      </a:endParaRPr>
+                    </a:p>
+                  </a:txBody>
+                  <a:tcPr anchor="ctr"/>
+                </a:tc>
+                <a:extLst>
+                  <a:ext uri="{0D108BD9-81ED-4DB2-BD59-A6C34878D82A}">
+                    <a16:rowId xmlns:a16="http://schemas.microsoft.com/office/drawing/2014/main" val="3392779515"/>
+                  </a:ext>
+                </a:extLst>
+              </a:tr>
+              <a:tr h="370840">
+                <a:tc>
+                  <a:txBody>
+                    <a:bodyPr/>
+                    <a:lstStyle/>
+                    <a:p>
+                      <a:pPr algn="ctr">
+                        <a:lnSpc>
+                          <a:spcPct val="100000"/>
+                        </a:lnSpc>
+                      </a:pPr>
+                      <a:r>
+                        <a:rPr lang="ru-RU" sz="2000" dirty="0">
+                          <a:solidFill>
+                            <a:schemeClr val="tx1"/>
+                          </a:solidFill>
+                        </a:rPr>
+                        <a:t>Макрофаги (кластер 2)</a:t>
+                      </a:r>
+                      <a:endParaRPr lang="en-RU" sz="2000" dirty="0">
+                        <a:solidFill>
+                          <a:schemeClr val="tx1"/>
+                        </a:solidFill>
+                      </a:endParaRPr>
+                    </a:p>
+                  </a:txBody>
+                  <a:tcPr anchor="ctr"/>
+                </a:tc>
+                <a:tc>
+                  <a:txBody>
+                    <a:bodyPr/>
+                    <a:lstStyle/>
+                    <a:p>
+                      <a:pPr algn="ctr">
+                        <a:lnSpc>
+                          <a:spcPct val="100000"/>
+                        </a:lnSpc>
+                      </a:pPr>
+                      <a:r>
+                        <a:rPr lang="ru-RU" sz="2000" dirty="0">
+                          <a:solidFill>
+                            <a:schemeClr val="tx1"/>
+                          </a:solidFill>
+                        </a:rPr>
+                        <a:t>5/30</a:t>
+                      </a:r>
+                      <a:endParaRPr lang="en-RU" sz="2000" dirty="0">
+                        <a:solidFill>
+                          <a:schemeClr val="tx1"/>
+                        </a:solidFill>
+                      </a:endParaRPr>
+                    </a:p>
+                  </a:txBody>
+                  <a:tcPr anchor="ctr"/>
+                </a:tc>
+                <a:tc>
+                  <a:txBody>
+                    <a:bodyPr/>
+                    <a:lstStyle/>
+                    <a:p>
+                      <a:pPr algn="ctr">
+                        <a:lnSpc>
+                          <a:spcPct val="100000"/>
+                        </a:lnSpc>
+                      </a:pPr>
+                      <a:r>
+                        <a:rPr lang="ru-RU" sz="2000" dirty="0">
+                          <a:solidFill>
+                            <a:schemeClr val="tx1"/>
+                          </a:solidFill>
+                        </a:rPr>
+                        <a:t>17%</a:t>
+                      </a:r>
+                      <a:endParaRPr lang="en-RU" sz="2000" dirty="0">
+                        <a:solidFill>
+                          <a:schemeClr val="tx1"/>
+                        </a:solidFill>
+                      </a:endParaRPr>
+                    </a:p>
+                  </a:txBody>
+                  <a:tcPr anchor="ctr"/>
+                </a:tc>
+                <a:tc>
+                  <a:txBody>
+                    <a:bodyPr/>
+                    <a:lstStyle/>
+                    <a:p>
+                      <a:pPr algn="ctr">
+                        <a:lnSpc>
+                          <a:spcPct val="100000"/>
+                        </a:lnSpc>
+                      </a:pPr>
+                      <a:r>
+                        <a:rPr lang="ru-RU" sz="2000" dirty="0">
+                          <a:solidFill>
+                            <a:schemeClr val="tx1"/>
+                          </a:solidFill>
+                        </a:rPr>
+                        <a:t>8/30</a:t>
+                      </a:r>
+                      <a:endParaRPr lang="en-RU" sz="2000" dirty="0">
+                        <a:solidFill>
+                          <a:schemeClr val="tx1"/>
+                        </a:solidFill>
+                      </a:endParaRPr>
+                    </a:p>
+                  </a:txBody>
+                  <a:tcPr anchor="ctr"/>
+                </a:tc>
+                <a:tc>
+                  <a:txBody>
+                    <a:bodyPr/>
+                    <a:lstStyle/>
+                    <a:p>
+                      <a:pPr algn="ctr">
+                        <a:lnSpc>
+                          <a:spcPct val="100000"/>
+                        </a:lnSpc>
+                      </a:pPr>
+                      <a:r>
+                        <a:rPr lang="ru-RU" sz="2000" dirty="0">
+                          <a:solidFill>
+                            <a:schemeClr val="tx1"/>
+                          </a:solidFill>
+                        </a:rPr>
+                        <a:t>27%</a:t>
+                      </a:r>
+                      <a:endParaRPr lang="en-RU" sz="2000" dirty="0">
+                        <a:solidFill>
+                          <a:schemeClr val="tx1"/>
+                        </a:solidFill>
+                      </a:endParaRPr>
+                    </a:p>
+                  </a:txBody>
+                  <a:tcPr anchor="ctr"/>
+                </a:tc>
+                <a:tc>
+                  <a:txBody>
+                    <a:bodyPr/>
+                    <a:lstStyle/>
+                    <a:p>
+                      <a:pPr algn="ctr">
+                        <a:lnSpc>
+                          <a:spcPct val="100000"/>
+                        </a:lnSpc>
+                      </a:pPr>
+                      <a:r>
+                        <a:rPr lang="ru-RU" sz="2000" dirty="0">
+                          <a:solidFill>
+                            <a:schemeClr val="tx1"/>
+                          </a:solidFill>
+                        </a:rPr>
+                        <a:t>4/30</a:t>
+                      </a:r>
+                      <a:endParaRPr lang="en-RU" sz="2000" dirty="0">
+                        <a:solidFill>
+                          <a:schemeClr val="tx1"/>
+                        </a:solidFill>
+                      </a:endParaRPr>
+                    </a:p>
+                  </a:txBody>
+                  <a:tcPr anchor="ctr"/>
+                </a:tc>
+                <a:tc>
+                  <a:txBody>
+                    <a:bodyPr/>
+                    <a:lstStyle/>
+                    <a:p>
+                      <a:pPr algn="ctr">
+                        <a:lnSpc>
+                          <a:spcPct val="100000"/>
+                        </a:lnSpc>
+                      </a:pPr>
+                      <a:r>
+                        <a:rPr lang="ru-RU" sz="2000" dirty="0">
+                          <a:solidFill>
+                            <a:schemeClr val="tx1"/>
+                          </a:solidFill>
+                        </a:rPr>
+                        <a:t>13%</a:t>
+                      </a:r>
+                      <a:endParaRPr lang="en-RU" sz="2000" dirty="0">
+                        <a:solidFill>
+                          <a:schemeClr val="tx1"/>
+                        </a:solidFill>
+                      </a:endParaRPr>
+                    </a:p>
+                  </a:txBody>
+                  <a:tcPr anchor="ctr"/>
+                </a:tc>
+                <a:extLst>
+                  <a:ext uri="{0D108BD9-81ED-4DB2-BD59-A6C34878D82A}">
+                    <a16:rowId xmlns:a16="http://schemas.microsoft.com/office/drawing/2014/main" val="1138657716"/>
+                  </a:ext>
+                </a:extLst>
+              </a:tr>
+              <a:tr h="370840">
+                <a:tc>
+                  <a:txBody>
+                    <a:bodyPr/>
+                    <a:lstStyle/>
+                    <a:p>
+                      <a:pPr algn="ctr">
+                        <a:lnSpc>
+                          <a:spcPct val="100000"/>
+                        </a:lnSpc>
+                      </a:pPr>
+                      <a:r>
+                        <a:rPr lang="ru-RU" sz="2000" dirty="0">
+                          <a:solidFill>
+                            <a:schemeClr val="tx1"/>
+                          </a:solidFill>
+                        </a:rPr>
+                        <a:t>Макрофаги (кластер 12)</a:t>
+                      </a:r>
+                      <a:endParaRPr lang="en-RU" sz="2000" dirty="0">
+                        <a:solidFill>
+                          <a:schemeClr val="tx1"/>
+                        </a:solidFill>
+                      </a:endParaRPr>
+                    </a:p>
+                  </a:txBody>
+                  <a:tcPr anchor="ctr"/>
+                </a:tc>
+                <a:tc>
+                  <a:txBody>
+                    <a:bodyPr/>
+                    <a:lstStyle/>
+                    <a:p>
+                      <a:pPr algn="ctr">
+                        <a:lnSpc>
+                          <a:spcPct val="100000"/>
+                        </a:lnSpc>
+                      </a:pPr>
+                      <a:r>
+                        <a:rPr lang="ru-RU" sz="2000" dirty="0">
+                          <a:solidFill>
+                            <a:schemeClr val="tx1"/>
+                          </a:solidFill>
+                        </a:rPr>
+                        <a:t>6/30</a:t>
+                      </a:r>
+                      <a:endParaRPr lang="en-RU" sz="2000" dirty="0">
+                        <a:solidFill>
+                          <a:schemeClr val="tx1"/>
+                        </a:solidFill>
+                      </a:endParaRPr>
+                    </a:p>
+                  </a:txBody>
+                  <a:tcPr anchor="ctr"/>
+                </a:tc>
+                <a:tc>
+                  <a:txBody>
+                    <a:bodyPr/>
+                    <a:lstStyle/>
+                    <a:p>
+                      <a:pPr algn="ctr">
+                        <a:lnSpc>
+                          <a:spcPct val="100000"/>
+                        </a:lnSpc>
+                      </a:pPr>
+                      <a:r>
+                        <a:rPr lang="ru-RU" sz="2000" dirty="0">
+                          <a:solidFill>
+                            <a:schemeClr val="tx1"/>
+                          </a:solidFill>
+                        </a:rPr>
+                        <a:t>20%</a:t>
+                      </a:r>
+                      <a:endParaRPr lang="en-RU" sz="2000" dirty="0">
+                        <a:solidFill>
+                          <a:schemeClr val="tx1"/>
+                        </a:solidFill>
+                      </a:endParaRPr>
+                    </a:p>
+                  </a:txBody>
+                  <a:tcPr anchor="ctr"/>
+                </a:tc>
+                <a:tc>
+                  <a:txBody>
+                    <a:bodyPr/>
+                    <a:lstStyle/>
+                    <a:p>
+                      <a:pPr marL="0" marR="0" lvl="0" indent="0" algn="ctr" defTabSz="914400" rtl="0" eaLnBrk="1" fontAlgn="auto" latinLnBrk="0" hangingPunct="1">
+                        <a:lnSpc>
+                          <a:spcPct val="100000"/>
+                        </a:lnSpc>
+                        <a:spcBef>
+                          <a:spcPts val="0"/>
+                        </a:spcBef>
+                        <a:spcAft>
+                          <a:spcPts val="0"/>
+                        </a:spcAft>
+                        <a:buClrTx/>
+                        <a:buSzTx/>
+                        <a:buFontTx/>
+                        <a:buNone/>
+                        <a:tabLst/>
+                        <a:defRPr/>
+                      </a:pPr>
+                      <a:r>
+                        <a:rPr lang="ru-RU" sz="2000" dirty="0">
+                          <a:solidFill>
+                            <a:schemeClr val="tx1"/>
+                          </a:solidFill>
+                        </a:rPr>
+                        <a:t>6/30</a:t>
+                      </a:r>
+                      <a:endParaRPr lang="en-RU" sz="2000" dirty="0">
+                        <a:solidFill>
+                          <a:schemeClr val="tx1"/>
+                        </a:solidFill>
+                      </a:endParaRPr>
+                    </a:p>
+                  </a:txBody>
+                  <a:tcPr anchor="ctr"/>
+                </a:tc>
+                <a:tc>
+                  <a:txBody>
+                    <a:bodyPr/>
+                    <a:lstStyle/>
+                    <a:p>
+                      <a:pPr marL="0" marR="0" lvl="0" indent="0" algn="ctr" defTabSz="914400" rtl="0" eaLnBrk="1" fontAlgn="auto" latinLnBrk="0" hangingPunct="1">
+                        <a:lnSpc>
+                          <a:spcPct val="100000"/>
+                        </a:lnSpc>
+                        <a:spcBef>
+                          <a:spcPts val="0"/>
+                        </a:spcBef>
+                        <a:spcAft>
+                          <a:spcPts val="0"/>
+                        </a:spcAft>
+                        <a:buClrTx/>
+                        <a:buSzTx/>
+                        <a:buFontTx/>
+                        <a:buNone/>
+                        <a:tabLst/>
+                        <a:defRPr/>
+                      </a:pPr>
+                      <a:r>
+                        <a:rPr lang="ru-RU" sz="2000" dirty="0">
+                          <a:solidFill>
+                            <a:schemeClr val="tx1"/>
+                          </a:solidFill>
+                        </a:rPr>
+                        <a:t>20%</a:t>
+                      </a:r>
+                      <a:endParaRPr lang="en-RU" sz="2000" dirty="0">
+                        <a:solidFill>
+                          <a:schemeClr val="tx1"/>
+                        </a:solidFill>
+                      </a:endParaRPr>
+                    </a:p>
+                  </a:txBody>
+                  <a:tcPr anchor="ctr"/>
+                </a:tc>
+                <a:tc>
+                  <a:txBody>
+                    <a:bodyPr/>
+                    <a:lstStyle/>
+                    <a:p>
+                      <a:pPr algn="ctr">
+                        <a:lnSpc>
+                          <a:spcPct val="100000"/>
+                        </a:lnSpc>
+                      </a:pPr>
+                      <a:r>
+                        <a:rPr lang="ru-RU" sz="2000" dirty="0">
+                          <a:solidFill>
+                            <a:schemeClr val="tx1"/>
+                          </a:solidFill>
+                        </a:rPr>
+                        <a:t>0/30</a:t>
+                      </a:r>
+                      <a:endParaRPr lang="en-RU" sz="2000" dirty="0">
+                        <a:solidFill>
+                          <a:schemeClr val="tx1"/>
+                        </a:solidFill>
+                      </a:endParaRPr>
+                    </a:p>
+                  </a:txBody>
+                  <a:tcPr anchor="ctr"/>
+                </a:tc>
+                <a:tc>
+                  <a:txBody>
+                    <a:bodyPr/>
+                    <a:lstStyle/>
+                    <a:p>
+                      <a:pPr algn="ctr">
+                        <a:lnSpc>
+                          <a:spcPct val="100000"/>
+                        </a:lnSpc>
+                      </a:pPr>
+                      <a:r>
+                        <a:rPr lang="ru-RU" sz="2000" dirty="0">
+                          <a:solidFill>
+                            <a:schemeClr val="tx1"/>
+                          </a:solidFill>
+                        </a:rPr>
+                        <a:t>0%</a:t>
+                      </a:r>
+                      <a:endParaRPr lang="en-RU" sz="2000" dirty="0">
+                        <a:solidFill>
+                          <a:schemeClr val="tx1"/>
+                        </a:solidFill>
+                      </a:endParaRPr>
+                    </a:p>
+                  </a:txBody>
+                  <a:tcPr anchor="ctr"/>
+                </a:tc>
+                <a:extLst>
+                  <a:ext uri="{0D108BD9-81ED-4DB2-BD59-A6C34878D82A}">
+                    <a16:rowId xmlns:a16="http://schemas.microsoft.com/office/drawing/2014/main" val="3265602263"/>
+                  </a:ext>
+                </a:extLst>
+              </a:tr>
+              <a:tr h="370840">
+                <a:tc>
+                  <a:txBody>
+                    <a:bodyPr/>
+                    <a:lstStyle/>
+                    <a:p>
+                      <a:pPr algn="ctr">
+                        <a:lnSpc>
+                          <a:spcPct val="100000"/>
+                        </a:lnSpc>
+                      </a:pPr>
+                      <a:endParaRPr lang="en-RU" sz="2000" b="1" dirty="0">
+                        <a:solidFill>
+                          <a:schemeClr val="tx1"/>
+                        </a:solidFill>
+                      </a:endParaRPr>
+                    </a:p>
+                  </a:txBody>
+                  <a:tcPr anchor="ctr"/>
+                </a:tc>
+                <a:tc>
+                  <a:txBody>
+                    <a:bodyPr/>
+                    <a:lstStyle/>
+                    <a:p>
+                      <a:pPr algn="ctr">
+                        <a:lnSpc>
+                          <a:spcPct val="100000"/>
+                        </a:lnSpc>
+                      </a:pPr>
+                      <a:endParaRPr lang="en-RU" sz="2000" b="1" dirty="0">
+                        <a:solidFill>
+                          <a:schemeClr val="tx1"/>
+                        </a:solidFill>
+                      </a:endParaRPr>
+                    </a:p>
+                  </a:txBody>
+                  <a:tcPr anchor="ctr"/>
+                </a:tc>
+                <a:tc>
+                  <a:txBody>
+                    <a:bodyPr/>
+                    <a:lstStyle/>
+                    <a:p>
+                      <a:pPr algn="ctr">
+                        <a:lnSpc>
+                          <a:spcPct val="100000"/>
+                        </a:lnSpc>
+                      </a:pPr>
+                      <a:r>
+                        <a:rPr lang="ru-RU" sz="2000" b="1" dirty="0">
+                          <a:solidFill>
+                            <a:schemeClr val="tx1"/>
+                          </a:solidFill>
+                        </a:rPr>
+                        <a:t>26%</a:t>
+                      </a:r>
+                      <a:endParaRPr lang="en-RU" sz="2000" b="1" dirty="0">
+                        <a:solidFill>
+                          <a:schemeClr val="tx1"/>
+                        </a:solidFill>
+                      </a:endParaRPr>
+                    </a:p>
+                  </a:txBody>
+                  <a:tcPr anchor="ctr"/>
+                </a:tc>
+                <a:tc>
+                  <a:txBody>
+                    <a:bodyPr/>
+                    <a:lstStyle/>
+                    <a:p>
+                      <a:pPr marL="0" marR="0" lvl="0" indent="0" algn="ctr" defTabSz="914400" rtl="0" eaLnBrk="1" fontAlgn="auto" latinLnBrk="0" hangingPunct="1">
+                        <a:lnSpc>
+                          <a:spcPct val="100000"/>
+                        </a:lnSpc>
+                        <a:spcBef>
+                          <a:spcPts val="0"/>
+                        </a:spcBef>
+                        <a:spcAft>
+                          <a:spcPts val="0"/>
+                        </a:spcAft>
+                        <a:buClrTx/>
+                        <a:buSzTx/>
+                        <a:buFontTx/>
+                        <a:buNone/>
+                        <a:tabLst/>
+                        <a:defRPr/>
+                      </a:pPr>
+                      <a:endParaRPr lang="en-RU" sz="2000" b="1" dirty="0">
+                        <a:solidFill>
+                          <a:schemeClr val="tx1"/>
+                        </a:solidFill>
+                      </a:endParaRPr>
+                    </a:p>
+                  </a:txBody>
+                  <a:tcPr anchor="ctr"/>
+                </a:tc>
+                <a:tc>
+                  <a:txBody>
+                    <a:bodyPr/>
+                    <a:lstStyle/>
+                    <a:p>
+                      <a:pPr marL="0" marR="0" lvl="0" indent="0" algn="ctr" defTabSz="914400" rtl="0" eaLnBrk="1" fontAlgn="auto" latinLnBrk="0" hangingPunct="1">
+                        <a:lnSpc>
+                          <a:spcPct val="100000"/>
+                        </a:lnSpc>
+                        <a:spcBef>
+                          <a:spcPts val="0"/>
+                        </a:spcBef>
+                        <a:spcAft>
+                          <a:spcPts val="0"/>
+                        </a:spcAft>
+                        <a:buClrTx/>
+                        <a:buSzTx/>
+                        <a:buFontTx/>
+                        <a:buNone/>
+                        <a:tabLst/>
+                        <a:defRPr/>
+                      </a:pPr>
+                      <a:r>
+                        <a:rPr lang="ru-RU" sz="2000" b="1" dirty="0">
+                          <a:solidFill>
+                            <a:schemeClr val="tx1"/>
+                          </a:solidFill>
+                        </a:rPr>
+                        <a:t>30%</a:t>
+                      </a:r>
+                      <a:endParaRPr lang="en-RU" sz="2000" b="1" dirty="0">
+                        <a:solidFill>
+                          <a:schemeClr val="tx1"/>
+                        </a:solidFill>
+                      </a:endParaRPr>
+                    </a:p>
+                  </a:txBody>
+                  <a:tcPr anchor="ctr"/>
+                </a:tc>
+                <a:tc>
+                  <a:txBody>
+                    <a:bodyPr/>
+                    <a:lstStyle/>
+                    <a:p>
+                      <a:pPr algn="ctr">
+                        <a:lnSpc>
+                          <a:spcPct val="100000"/>
+                        </a:lnSpc>
+                      </a:pPr>
+                      <a:endParaRPr lang="en-RU" sz="2000" b="1" dirty="0">
+                        <a:solidFill>
+                          <a:schemeClr val="tx1"/>
+                        </a:solidFill>
+                      </a:endParaRPr>
+                    </a:p>
+                  </a:txBody>
+                  <a:tcPr anchor="ctr"/>
+                </a:tc>
+                <a:tc>
+                  <a:txBody>
+                    <a:bodyPr/>
+                    <a:lstStyle/>
+                    <a:p>
+                      <a:pPr algn="ctr">
+                        <a:lnSpc>
+                          <a:spcPct val="100000"/>
+                        </a:lnSpc>
+                      </a:pPr>
+                      <a:r>
+                        <a:rPr lang="ru-RU" sz="2000" b="1" dirty="0">
+                          <a:solidFill>
+                            <a:schemeClr val="tx1"/>
+                          </a:solidFill>
+                        </a:rPr>
+                        <a:t>13%</a:t>
+                      </a:r>
+                      <a:endParaRPr lang="en-RU" sz="2000" b="1" dirty="0">
+                        <a:solidFill>
+                          <a:schemeClr val="tx1"/>
+                        </a:solidFill>
+                      </a:endParaRPr>
+                    </a:p>
+                  </a:txBody>
+                  <a:tcPr anchor="ctr"/>
+                </a:tc>
+                <a:extLst>
+                  <a:ext uri="{0D108BD9-81ED-4DB2-BD59-A6C34878D82A}">
+                    <a16:rowId xmlns:a16="http://schemas.microsoft.com/office/drawing/2014/main" val="1256739973"/>
+                  </a:ext>
+                </a:extLst>
+              </a:tr>
+            </a:tbl>
+          </a:graphicData>
+        </a:graphic>
+      </p:graphicFrame>
+      <p:sp>
+        <p:nvSpPr>
+          <p:cNvPr id="4" name="TextBox 3">
+            <a:extLst>
+              <a:ext uri="{FF2B5EF4-FFF2-40B4-BE49-F238E27FC236}">
+                <a16:creationId xmlns:a16="http://schemas.microsoft.com/office/drawing/2014/main" id="{390372DD-B564-93CA-0AAB-B37EAB98D015}"/>
               </a:ext>
             </a:extLst>
           </p:cNvPr>
@@ -5463,7 +7399,7 @@
     </p:spTree>
     <p:extLst>
       <p:ext uri="{BB962C8B-B14F-4D97-AF65-F5344CB8AC3E}">
-        <p14:creationId xmlns:p14="http://schemas.microsoft.com/office/powerpoint/2010/main" val="1846336941"/>
+        <p14:creationId xmlns:p14="http://schemas.microsoft.com/office/powerpoint/2010/main" val="2709872478"/>
       </p:ext>
     </p:extLst>
   </p:cSld>
@@ -5490,66 +7426,42 @@
           <a:chExt cx="0" cy="0"/>
         </a:xfrm>
       </p:grpSpPr>
-      <p:sp>
-        <p:nvSpPr>
-          <p:cNvPr id="4" name="Oval 3">
-            <a:extLst>
-              <a:ext uri="{FF2B5EF4-FFF2-40B4-BE49-F238E27FC236}">
-                <a16:creationId xmlns:a16="http://schemas.microsoft.com/office/drawing/2014/main" id="{6BF54DB4-F819-2E52-127B-38FCE60DBC11}"/>
-              </a:ext>
-            </a:extLst>
-          </p:cNvPr>
-          <p:cNvSpPr/>
+      <p:pic>
+        <p:nvPicPr>
+          <p:cNvPr id="5" name="Picture 4">
+            <a:extLst>
+              <a:ext uri="{FF2B5EF4-FFF2-40B4-BE49-F238E27FC236}">
+                <a16:creationId xmlns:a16="http://schemas.microsoft.com/office/drawing/2014/main" id="{1B5EBEA1-9809-18FD-8A10-E399E9116318}"/>
+              </a:ext>
+            </a:extLst>
+          </p:cNvPr>
+          <p:cNvPicPr>
+            <a:picLocks noChangeAspect="1"/>
+          </p:cNvPicPr>
           <p:nvPr/>
-        </p:nvSpPr>
+        </p:nvPicPr>
+        <p:blipFill>
+          <a:blip r:embed="rId2"/>
+          <a:stretch>
+            <a:fillRect/>
+          </a:stretch>
+        </p:blipFill>
         <p:spPr>
           <a:xfrm>
-            <a:off x="5417965" y="3149186"/>
-            <a:ext cx="3443537" cy="3443537"/>
-          </a:xfrm>
-          <a:prstGeom prst="ellipse">
+            <a:off x="2967531" y="1672098"/>
+            <a:ext cx="6256925" cy="4723644"/>
+          </a:xfrm>
+          <a:prstGeom prst="rect">
             <a:avLst/>
           </a:prstGeom>
-          <a:solidFill>
-            <a:srgbClr val="92D050">
-              <a:alpha val="20683"/>
-            </a:srgbClr>
-          </a:solidFill>
-          <a:ln>
-            <a:noFill/>
-          </a:ln>
-        </p:spPr>
-        <p:style>
-          <a:lnRef idx="2">
-            <a:schemeClr val="accent1">
-              <a:shade val="15000"/>
-            </a:schemeClr>
-          </a:lnRef>
-          <a:fillRef idx="1">
-            <a:schemeClr val="accent1"/>
-          </a:fillRef>
-          <a:effectRef idx="0">
-            <a:schemeClr val="accent1"/>
-          </a:effectRef>
-          <a:fontRef idx="minor">
-            <a:schemeClr val="lt1"/>
-          </a:fontRef>
-        </p:style>
-        <p:txBody>
-          <a:bodyPr rtlCol="0" anchor="ctr"/>
-          <a:lstStyle/>
-          <a:p>
-            <a:pPr algn="ctr"/>
-            <a:endParaRPr lang="en-RU" dirty="0"/>
-          </a:p>
-        </p:txBody>
-      </p:sp>
-      <p:sp>
-        <p:nvSpPr>
-          <p:cNvPr id="9" name="TextBox 8">
-            <a:extLst>
-              <a:ext uri="{FF2B5EF4-FFF2-40B4-BE49-F238E27FC236}">
-                <a16:creationId xmlns:a16="http://schemas.microsoft.com/office/drawing/2014/main" id="{5C76A9E4-25EA-697F-2DC0-948E969121A4}"/>
+        </p:spPr>
+      </p:pic>
+      <p:sp>
+        <p:nvSpPr>
+          <p:cNvPr id="2" name="TextBox 1">
+            <a:extLst>
+              <a:ext uri="{FF2B5EF4-FFF2-40B4-BE49-F238E27FC236}">
+                <a16:creationId xmlns:a16="http://schemas.microsoft.com/office/drawing/2014/main" id="{B5A29409-3270-6B7E-01A5-0DB1CFBE61D5}"/>
               </a:ext>
             </a:extLst>
           </p:cNvPr>
@@ -5558,8 +7470,8 @@
         </p:nvSpPr>
         <p:spPr>
           <a:xfrm>
-            <a:off x="8861502" y="6164019"/>
-            <a:ext cx="917188" cy="461665"/>
+            <a:off x="3582711" y="228152"/>
+            <a:ext cx="5026569" cy="646331"/>
           </a:xfrm>
           <a:prstGeom prst="rect">
             <a:avLst/>
@@ -5567,24 +7479,25 @@
           <a:noFill/>
         </p:spPr>
         <p:txBody>
-          <a:bodyPr wrap="square" rtlCol="0">
+          <a:bodyPr wrap="none" rtlCol="0">
             <a:spAutoFit/>
           </a:bodyPr>
           <a:lstStyle/>
           <a:p>
             <a:r>
-              <a:rPr lang="en-RU" sz="2400" b="1" dirty="0"/>
-              <a:t>t-test</a:t>
-            </a:r>
-          </a:p>
-        </p:txBody>
-      </p:sp>
-      <p:sp>
-        <p:nvSpPr>
-          <p:cNvPr id="10" name="TextBox 9">
-            <a:extLst>
-              <a:ext uri="{FF2B5EF4-FFF2-40B4-BE49-F238E27FC236}">
-                <a16:creationId xmlns:a16="http://schemas.microsoft.com/office/drawing/2014/main" id="{9D75CB7B-8774-E96D-EBE5-3E7510B1CEEC}"/>
+              <a:rPr lang="ru-RU" sz="3600" b="1" dirty="0"/>
+              <a:t>Поиск маркерных генов</a:t>
+            </a:r>
+            <a:endParaRPr lang="en-RU" sz="3600" b="1" dirty="0"/>
+          </a:p>
+        </p:txBody>
+      </p:sp>
+      <p:sp>
+        <p:nvSpPr>
+          <p:cNvPr id="3" name="TextBox 2">
+            <a:extLst>
+              <a:ext uri="{FF2B5EF4-FFF2-40B4-BE49-F238E27FC236}">
+                <a16:creationId xmlns:a16="http://schemas.microsoft.com/office/drawing/2014/main" id="{B653A868-F7DF-2B80-39E5-B711E8BF2E2B}"/>
               </a:ext>
             </a:extLst>
           </p:cNvPr>
@@ -5593,8 +7506,8 @@
         </p:nvSpPr>
         <p:spPr>
           <a:xfrm>
-            <a:off x="1921727" y="6164018"/>
-            <a:ext cx="1312127" cy="461665"/>
+            <a:off x="5554820" y="874483"/>
+            <a:ext cx="1082348" cy="523220"/>
           </a:xfrm>
           <a:prstGeom prst="rect">
             <a:avLst/>
@@ -5602,629 +7515,23 @@
           <a:noFill/>
         </p:spPr>
         <p:txBody>
-          <a:bodyPr wrap="square" rtlCol="0">
-            <a:spAutoFit/>
-          </a:bodyPr>
-          <a:lstStyle/>
-          <a:p>
-            <a:r>
-              <a:rPr lang="en-RU" sz="2400" b="1" dirty="0"/>
-              <a:t>wilcoxon</a:t>
-            </a:r>
-          </a:p>
-        </p:txBody>
-      </p:sp>
-      <p:sp>
-        <p:nvSpPr>
-          <p:cNvPr id="3" name="Oval 2">
-            <a:extLst>
-              <a:ext uri="{FF2B5EF4-FFF2-40B4-BE49-F238E27FC236}">
-                <a16:creationId xmlns:a16="http://schemas.microsoft.com/office/drawing/2014/main" id="{CB9E3704-DDFA-F88D-A19D-BA484516435A}"/>
-              </a:ext>
-            </a:extLst>
-          </p:cNvPr>
-          <p:cNvSpPr/>
-          <p:nvPr/>
-        </p:nvSpPr>
-        <p:spPr>
-          <a:xfrm>
-            <a:off x="3330497" y="3182146"/>
-            <a:ext cx="3443537" cy="3443537"/>
-          </a:xfrm>
-          <a:prstGeom prst="ellipse">
-            <a:avLst/>
-          </a:prstGeom>
-          <a:solidFill>
-            <a:srgbClr val="0070C0">
-              <a:alpha val="20683"/>
-            </a:srgbClr>
-          </a:solidFill>
-          <a:ln>
-            <a:noFill/>
-          </a:ln>
-        </p:spPr>
-        <p:style>
-          <a:lnRef idx="2">
-            <a:schemeClr val="accent1">
-              <a:shade val="15000"/>
-            </a:schemeClr>
-          </a:lnRef>
-          <a:fillRef idx="1">
-            <a:schemeClr val="accent1"/>
-          </a:fillRef>
-          <a:effectRef idx="0">
-            <a:schemeClr val="accent1"/>
-          </a:effectRef>
-          <a:fontRef idx="minor">
-            <a:schemeClr val="lt1"/>
-          </a:fontRef>
-        </p:style>
-        <p:txBody>
-          <a:bodyPr rtlCol="0" anchor="ctr"/>
-          <a:lstStyle/>
-          <a:p>
-            <a:pPr algn="ctr"/>
-            <a:endParaRPr lang="en-RU"/>
-          </a:p>
-        </p:txBody>
-      </p:sp>
-      <p:sp>
-        <p:nvSpPr>
-          <p:cNvPr id="5" name="Oval 4">
-            <a:extLst>
-              <a:ext uri="{FF2B5EF4-FFF2-40B4-BE49-F238E27FC236}">
-                <a16:creationId xmlns:a16="http://schemas.microsoft.com/office/drawing/2014/main" id="{2DC78610-6490-D457-18C4-57D2B656A748}"/>
-              </a:ext>
-            </a:extLst>
-          </p:cNvPr>
-          <p:cNvSpPr/>
-          <p:nvPr/>
-        </p:nvSpPr>
-        <p:spPr>
-          <a:xfrm>
-            <a:off x="4374231" y="2026974"/>
-            <a:ext cx="3443537" cy="3443537"/>
-          </a:xfrm>
-          <a:prstGeom prst="ellipse">
-            <a:avLst/>
-          </a:prstGeom>
-          <a:solidFill>
-            <a:srgbClr val="FF0000">
-              <a:alpha val="20683"/>
-            </a:srgbClr>
-          </a:solidFill>
-          <a:ln>
-            <a:noFill/>
-          </a:ln>
-        </p:spPr>
-        <p:style>
-          <a:lnRef idx="2">
-            <a:schemeClr val="accent1">
-              <a:shade val="15000"/>
-            </a:schemeClr>
-          </a:lnRef>
-          <a:fillRef idx="1">
-            <a:schemeClr val="accent1"/>
-          </a:fillRef>
-          <a:effectRef idx="0">
-            <a:schemeClr val="accent1"/>
-          </a:effectRef>
-          <a:fontRef idx="minor">
-            <a:schemeClr val="lt1"/>
-          </a:fontRef>
-        </p:style>
-        <p:txBody>
-          <a:bodyPr rtlCol="0" anchor="ctr"/>
-          <a:lstStyle/>
-          <a:p>
-            <a:pPr algn="ctr"/>
-            <a:endParaRPr lang="en-RU"/>
-          </a:p>
-        </p:txBody>
-      </p:sp>
-      <p:sp>
-        <p:nvSpPr>
-          <p:cNvPr id="14" name="TextBox 13">
-            <a:extLst>
-              <a:ext uri="{FF2B5EF4-FFF2-40B4-BE49-F238E27FC236}">
-                <a16:creationId xmlns:a16="http://schemas.microsoft.com/office/drawing/2014/main" id="{39E544D0-BBEB-4E5A-6EDD-EDF415AD14BD}"/>
-              </a:ext>
-            </a:extLst>
-          </p:cNvPr>
-          <p:cNvSpPr txBox="1"/>
-          <p:nvPr/>
-        </p:nvSpPr>
-        <p:spPr>
-          <a:xfrm>
-            <a:off x="5287694" y="1425294"/>
-            <a:ext cx="1425497" cy="461665"/>
-          </a:xfrm>
-          <a:prstGeom prst="rect">
-            <a:avLst/>
-          </a:prstGeom>
-          <a:noFill/>
-        </p:spPr>
-        <p:txBody>
-          <a:bodyPr wrap="square" rtlCol="0">
-            <a:spAutoFit/>
-          </a:bodyPr>
-          <a:lstStyle/>
-          <a:p>
-            <a:r>
-              <a:rPr lang="en-RU" sz="2400" b="1" dirty="0"/>
-              <a:t>pydeseq2</a:t>
-            </a:r>
-          </a:p>
-        </p:txBody>
-      </p:sp>
-      <p:sp>
-        <p:nvSpPr>
-          <p:cNvPr id="2" name="TextBox 1">
-            <a:extLst>
-              <a:ext uri="{FF2B5EF4-FFF2-40B4-BE49-F238E27FC236}">
-                <a16:creationId xmlns:a16="http://schemas.microsoft.com/office/drawing/2014/main" id="{8C2C0219-5D14-CD43-ABF8-198AA3C2DBBC}"/>
-              </a:ext>
-            </a:extLst>
-          </p:cNvPr>
-          <p:cNvSpPr txBox="1"/>
-          <p:nvPr/>
-        </p:nvSpPr>
-        <p:spPr>
-          <a:xfrm>
-            <a:off x="5696422" y="2386681"/>
-            <a:ext cx="799145" cy="461665"/>
-          </a:xfrm>
-          <a:prstGeom prst="rect">
-            <a:avLst/>
-          </a:prstGeom>
-          <a:noFill/>
-        </p:spPr>
-        <p:txBody>
-          <a:bodyPr wrap="square" rtlCol="0">
-            <a:spAutoFit/>
-          </a:bodyPr>
-          <a:lstStyle/>
-          <a:p>
-            <a:r>
-              <a:rPr lang="ru-RU" sz="2400" b="1" dirty="0"/>
-              <a:t>7345</a:t>
-            </a:r>
-            <a:endParaRPr lang="en-RU" sz="2400" b="1" dirty="0"/>
-          </a:p>
-        </p:txBody>
-      </p:sp>
-      <p:sp>
-        <p:nvSpPr>
-          <p:cNvPr id="11" name="TextBox 10">
-            <a:extLst>
-              <a:ext uri="{FF2B5EF4-FFF2-40B4-BE49-F238E27FC236}">
-                <a16:creationId xmlns:a16="http://schemas.microsoft.com/office/drawing/2014/main" id="{3B54B711-0E8D-FB8B-19FD-BC9B1C1060D7}"/>
-              </a:ext>
-            </a:extLst>
-          </p:cNvPr>
-          <p:cNvSpPr txBox="1"/>
-          <p:nvPr/>
-        </p:nvSpPr>
-        <p:spPr>
-          <a:xfrm>
-            <a:off x="4125390" y="5470510"/>
-            <a:ext cx="497682" cy="461665"/>
-          </a:xfrm>
-          <a:prstGeom prst="rect">
-            <a:avLst/>
-          </a:prstGeom>
-          <a:noFill/>
-        </p:spPr>
-        <p:txBody>
-          <a:bodyPr wrap="square" rtlCol="0">
-            <a:spAutoFit/>
-          </a:bodyPr>
-          <a:lstStyle/>
-          <a:p>
-            <a:r>
-              <a:rPr lang="ru-RU" sz="2400" b="1" dirty="0"/>
-              <a:t>24</a:t>
-            </a:r>
-            <a:endParaRPr lang="en-RU" sz="2400" b="1" dirty="0"/>
-          </a:p>
-        </p:txBody>
-      </p:sp>
-      <p:sp>
-        <p:nvSpPr>
-          <p:cNvPr id="16" name="TextBox 15">
-            <a:extLst>
-              <a:ext uri="{FF2B5EF4-FFF2-40B4-BE49-F238E27FC236}">
-                <a16:creationId xmlns:a16="http://schemas.microsoft.com/office/drawing/2014/main" id="{2216476C-C0D6-9D42-75A9-EB72A6466D6C}"/>
-              </a:ext>
-            </a:extLst>
-          </p:cNvPr>
-          <p:cNvSpPr txBox="1"/>
-          <p:nvPr/>
-        </p:nvSpPr>
-        <p:spPr>
-          <a:xfrm>
-            <a:off x="7568926" y="5470510"/>
-            <a:ext cx="497683" cy="461665"/>
-          </a:xfrm>
-          <a:prstGeom prst="rect">
-            <a:avLst/>
-          </a:prstGeom>
-          <a:noFill/>
-        </p:spPr>
-        <p:txBody>
-          <a:bodyPr wrap="square" rtlCol="0">
-            <a:spAutoFit/>
-          </a:bodyPr>
-          <a:lstStyle/>
-          <a:p>
-            <a:r>
-              <a:rPr lang="ru-RU" sz="2400" b="1" dirty="0"/>
-              <a:t>95</a:t>
-            </a:r>
-            <a:endParaRPr lang="en-RU" sz="2400" b="1" dirty="0"/>
-          </a:p>
-        </p:txBody>
-      </p:sp>
-      <p:sp>
-        <p:nvSpPr>
-          <p:cNvPr id="18" name="TextBox 17">
-            <a:extLst>
-              <a:ext uri="{FF2B5EF4-FFF2-40B4-BE49-F238E27FC236}">
-                <a16:creationId xmlns:a16="http://schemas.microsoft.com/office/drawing/2014/main" id="{5873C491-4067-82E6-BF84-E4F2C8A002E8}"/>
-              </a:ext>
-            </a:extLst>
-          </p:cNvPr>
-          <p:cNvSpPr txBox="1"/>
-          <p:nvPr/>
-        </p:nvSpPr>
-        <p:spPr>
-          <a:xfrm>
-            <a:off x="5842423" y="4447740"/>
-            <a:ext cx="507149" cy="461665"/>
-          </a:xfrm>
-          <a:prstGeom prst="rect">
-            <a:avLst/>
-          </a:prstGeom>
-          <a:noFill/>
-        </p:spPr>
-        <p:txBody>
-          <a:bodyPr wrap="square" rtlCol="0">
-            <a:spAutoFit/>
-          </a:bodyPr>
-          <a:lstStyle/>
-          <a:p>
-            <a:r>
-              <a:rPr lang="ru-RU" sz="2400" b="1" dirty="0"/>
-              <a:t>24</a:t>
-            </a:r>
-            <a:endParaRPr lang="en-RU" sz="2400" b="1" dirty="0"/>
-          </a:p>
-        </p:txBody>
-      </p:sp>
-      <p:sp>
-        <p:nvSpPr>
-          <p:cNvPr id="19" name="TextBox 18">
-            <a:extLst>
-              <a:ext uri="{FF2B5EF4-FFF2-40B4-BE49-F238E27FC236}">
-                <a16:creationId xmlns:a16="http://schemas.microsoft.com/office/drawing/2014/main" id="{51603C0C-06D4-036D-D16E-446B83F231ED}"/>
-              </a:ext>
-            </a:extLst>
-          </p:cNvPr>
-          <p:cNvSpPr txBox="1"/>
-          <p:nvPr/>
-        </p:nvSpPr>
-        <p:spPr>
-          <a:xfrm>
-            <a:off x="4885659" y="3697121"/>
-            <a:ext cx="532306" cy="461665"/>
-          </a:xfrm>
-          <a:prstGeom prst="rect">
-            <a:avLst/>
-          </a:prstGeom>
-          <a:noFill/>
-        </p:spPr>
-        <p:txBody>
-          <a:bodyPr wrap="square" rtlCol="0">
-            <a:spAutoFit/>
-          </a:bodyPr>
-          <a:lstStyle/>
-          <a:p>
-            <a:r>
-              <a:rPr lang="ru-RU" sz="2400" b="1" dirty="0"/>
-              <a:t>24</a:t>
-            </a:r>
-            <a:endParaRPr lang="en-RU" sz="2400" b="1" dirty="0"/>
-          </a:p>
-        </p:txBody>
-      </p:sp>
-      <p:sp>
-        <p:nvSpPr>
-          <p:cNvPr id="20" name="TextBox 19">
-            <a:extLst>
-              <a:ext uri="{FF2B5EF4-FFF2-40B4-BE49-F238E27FC236}">
-                <a16:creationId xmlns:a16="http://schemas.microsoft.com/office/drawing/2014/main" id="{1A675742-62CD-028D-1EB6-6AC9E48C0953}"/>
-              </a:ext>
-            </a:extLst>
-          </p:cNvPr>
-          <p:cNvSpPr txBox="1"/>
-          <p:nvPr/>
-        </p:nvSpPr>
-        <p:spPr>
-          <a:xfrm>
-            <a:off x="6774034" y="3697121"/>
-            <a:ext cx="568397" cy="461665"/>
-          </a:xfrm>
-          <a:prstGeom prst="rect">
-            <a:avLst/>
-          </a:prstGeom>
-          <a:noFill/>
-        </p:spPr>
-        <p:txBody>
-          <a:bodyPr wrap="square" rtlCol="0">
-            <a:spAutoFit/>
-          </a:bodyPr>
-          <a:lstStyle/>
-          <a:p>
-            <a:r>
-              <a:rPr lang="ru-RU" sz="2400" b="1" dirty="0"/>
-              <a:t>94</a:t>
-            </a:r>
-            <a:endParaRPr lang="en-RU" sz="2400" b="1" dirty="0"/>
-          </a:p>
-        </p:txBody>
-      </p:sp>
-      <p:sp>
-        <p:nvSpPr>
-          <p:cNvPr id="21" name="TextBox 20">
-            <a:extLst>
-              <a:ext uri="{FF2B5EF4-FFF2-40B4-BE49-F238E27FC236}">
-                <a16:creationId xmlns:a16="http://schemas.microsoft.com/office/drawing/2014/main" id="{1958F35B-05C4-563D-E0A5-7B6CEF525017}"/>
-              </a:ext>
-            </a:extLst>
-          </p:cNvPr>
-          <p:cNvSpPr txBox="1"/>
-          <p:nvPr/>
-        </p:nvSpPr>
-        <p:spPr>
-          <a:xfrm>
-            <a:off x="5842422" y="5470510"/>
-            <a:ext cx="507149" cy="461665"/>
-          </a:xfrm>
-          <a:prstGeom prst="rect">
-            <a:avLst/>
-          </a:prstGeom>
-          <a:noFill/>
-        </p:spPr>
-        <p:txBody>
-          <a:bodyPr wrap="square" rtlCol="0">
-            <a:spAutoFit/>
-          </a:bodyPr>
-          <a:lstStyle/>
-          <a:p>
-            <a:r>
-              <a:rPr lang="ru-RU" sz="2400" b="1" dirty="0"/>
-              <a:t>24</a:t>
-            </a:r>
-            <a:endParaRPr lang="en-RU" sz="2400" b="1" dirty="0"/>
-          </a:p>
-        </p:txBody>
-      </p:sp>
-      <p:sp>
-        <p:nvSpPr>
-          <p:cNvPr id="23" name="TextBox 22">
-            <a:extLst>
-              <a:ext uri="{FF2B5EF4-FFF2-40B4-BE49-F238E27FC236}">
-                <a16:creationId xmlns:a16="http://schemas.microsoft.com/office/drawing/2014/main" id="{0A538CDF-0DAE-FFE9-41F3-E3DC0D0A8B7F}"/>
-              </a:ext>
-            </a:extLst>
-          </p:cNvPr>
-          <p:cNvSpPr txBox="1"/>
-          <p:nvPr/>
-        </p:nvSpPr>
-        <p:spPr>
-          <a:xfrm>
-            <a:off x="419836" y="2026974"/>
-            <a:ext cx="1541085" cy="461665"/>
-          </a:xfrm>
-          <a:prstGeom prst="rect">
-            <a:avLst/>
-          </a:prstGeom>
-          <a:noFill/>
-        </p:spPr>
-        <p:txBody>
-          <a:bodyPr wrap="square" rtlCol="0">
-            <a:spAutoFit/>
-          </a:bodyPr>
-          <a:lstStyle/>
-          <a:p>
-            <a:r>
-              <a:rPr lang="en-US" sz="2400" b="1" dirty="0"/>
-              <a:t>DUOX2</a:t>
-            </a:r>
-            <a:endParaRPr lang="en-RU" sz="2400" b="1" dirty="0"/>
-          </a:p>
-        </p:txBody>
-      </p:sp>
-      <p:sp>
-        <p:nvSpPr>
-          <p:cNvPr id="6" name="TextBox 5">
-            <a:extLst>
-              <a:ext uri="{FF2B5EF4-FFF2-40B4-BE49-F238E27FC236}">
-                <a16:creationId xmlns:a16="http://schemas.microsoft.com/office/drawing/2014/main" id="{9EF78F69-58DC-CB68-C2F7-97EAB7CD3AEE}"/>
-              </a:ext>
-            </a:extLst>
-          </p:cNvPr>
-          <p:cNvSpPr txBox="1"/>
-          <p:nvPr/>
-        </p:nvSpPr>
-        <p:spPr>
-          <a:xfrm>
-            <a:off x="419836" y="2488639"/>
-            <a:ext cx="1541085" cy="461665"/>
-          </a:xfrm>
-          <a:prstGeom prst="rect">
-            <a:avLst/>
-          </a:prstGeom>
-          <a:noFill/>
-        </p:spPr>
-        <p:txBody>
-          <a:bodyPr wrap="square" rtlCol="0">
-            <a:spAutoFit/>
-          </a:bodyPr>
-          <a:lstStyle/>
-          <a:p>
-            <a:r>
-              <a:rPr lang="en-RU" sz="2400" b="1" dirty="0"/>
-              <a:t>CD55</a:t>
-            </a:r>
-          </a:p>
-        </p:txBody>
-      </p:sp>
-      <p:sp>
-        <p:nvSpPr>
-          <p:cNvPr id="7" name="TextBox 6">
-            <a:extLst>
-              <a:ext uri="{FF2B5EF4-FFF2-40B4-BE49-F238E27FC236}">
-                <a16:creationId xmlns:a16="http://schemas.microsoft.com/office/drawing/2014/main" id="{26C7718C-810C-E820-E57F-5397F84EE6F2}"/>
-              </a:ext>
-            </a:extLst>
-          </p:cNvPr>
-          <p:cNvSpPr txBox="1"/>
-          <p:nvPr/>
-        </p:nvSpPr>
-        <p:spPr>
-          <a:xfrm>
-            <a:off x="418298" y="2950304"/>
-            <a:ext cx="1541085" cy="461665"/>
-          </a:xfrm>
-          <a:prstGeom prst="rect">
-            <a:avLst/>
-          </a:prstGeom>
-          <a:noFill/>
-        </p:spPr>
-        <p:txBody>
-          <a:bodyPr wrap="square" rtlCol="0">
-            <a:spAutoFit/>
-          </a:bodyPr>
-          <a:lstStyle/>
-          <a:p>
-            <a:r>
-              <a:rPr lang="en-RU" sz="2400" b="1" dirty="0"/>
-              <a:t>PI3</a:t>
-            </a:r>
-          </a:p>
-        </p:txBody>
-      </p:sp>
-      <p:sp>
-        <p:nvSpPr>
-          <p:cNvPr id="8" name="TextBox 7">
-            <a:extLst>
-              <a:ext uri="{FF2B5EF4-FFF2-40B4-BE49-F238E27FC236}">
-                <a16:creationId xmlns:a16="http://schemas.microsoft.com/office/drawing/2014/main" id="{D9847F4E-2E63-93FB-6FD4-429C4081E636}"/>
-              </a:ext>
-            </a:extLst>
-          </p:cNvPr>
-          <p:cNvSpPr txBox="1"/>
-          <p:nvPr/>
-        </p:nvSpPr>
-        <p:spPr>
-          <a:xfrm>
-            <a:off x="418298" y="3411969"/>
-            <a:ext cx="1541085" cy="461665"/>
-          </a:xfrm>
-          <a:prstGeom prst="rect">
-            <a:avLst/>
-          </a:prstGeom>
-          <a:noFill/>
-        </p:spPr>
-        <p:txBody>
-          <a:bodyPr wrap="square" rtlCol="0">
-            <a:spAutoFit/>
-          </a:bodyPr>
-          <a:lstStyle/>
-          <a:p>
-            <a:r>
-              <a:rPr lang="en-RU" sz="2400" b="1" dirty="0"/>
-              <a:t>ALDOB</a:t>
-            </a:r>
-          </a:p>
-        </p:txBody>
-      </p:sp>
-      <p:sp>
-        <p:nvSpPr>
-          <p:cNvPr id="12" name="TextBox 11">
-            <a:extLst>
-              <a:ext uri="{FF2B5EF4-FFF2-40B4-BE49-F238E27FC236}">
-                <a16:creationId xmlns:a16="http://schemas.microsoft.com/office/drawing/2014/main" id="{7F46FB42-05AF-3250-8F17-C745FC69D820}"/>
-              </a:ext>
-            </a:extLst>
-          </p:cNvPr>
-          <p:cNvSpPr txBox="1"/>
-          <p:nvPr/>
-        </p:nvSpPr>
-        <p:spPr>
-          <a:xfrm>
-            <a:off x="418298" y="3873634"/>
-            <a:ext cx="1541085" cy="461665"/>
-          </a:xfrm>
-          <a:prstGeom prst="rect">
-            <a:avLst/>
-          </a:prstGeom>
-          <a:noFill/>
-        </p:spPr>
-        <p:txBody>
-          <a:bodyPr wrap="square" rtlCol="0">
-            <a:spAutoFit/>
-          </a:bodyPr>
-          <a:lstStyle/>
-          <a:p>
-            <a:r>
-              <a:rPr lang="en-RU" sz="2400" b="1" dirty="0"/>
-              <a:t>DUOXA2</a:t>
-            </a:r>
-          </a:p>
-        </p:txBody>
-      </p:sp>
-      <p:sp>
-        <p:nvSpPr>
-          <p:cNvPr id="13" name="TextBox 12">
-            <a:extLst>
-              <a:ext uri="{FF2B5EF4-FFF2-40B4-BE49-F238E27FC236}">
-                <a16:creationId xmlns:a16="http://schemas.microsoft.com/office/drawing/2014/main" id="{4930BBFB-CA69-03F4-89FF-3CDD3E116AF7}"/>
-              </a:ext>
-            </a:extLst>
-          </p:cNvPr>
-          <p:cNvSpPr txBox="1"/>
-          <p:nvPr/>
-        </p:nvSpPr>
-        <p:spPr>
-          <a:xfrm>
-            <a:off x="882164" y="265277"/>
-            <a:ext cx="10427663" cy="646331"/>
-          </a:xfrm>
-          <a:prstGeom prst="rect">
-            <a:avLst/>
-          </a:prstGeom>
-          <a:noFill/>
-        </p:spPr>
-        <p:txBody>
           <a:bodyPr wrap="none" rtlCol="0">
             <a:spAutoFit/>
           </a:bodyPr>
           <a:lstStyle/>
           <a:p>
             <a:r>
-              <a:rPr lang="ru-RU" sz="3600" b="1" dirty="0"/>
-              <a:t>Сравнение экспрессии между разными условиями</a:t>
-            </a:r>
-            <a:endParaRPr lang="en-RU" sz="3600" b="1" dirty="0"/>
+              <a:rPr lang="en-US" sz="2800" b="1" dirty="0"/>
+              <a:t>PBMC</a:t>
+            </a:r>
+            <a:endParaRPr lang="en-RU" sz="2800" b="1" dirty="0"/>
           </a:p>
         </p:txBody>
       </p:sp>
     </p:spTree>
     <p:extLst>
       <p:ext uri="{BB962C8B-B14F-4D97-AF65-F5344CB8AC3E}">
-        <p14:creationId xmlns:p14="http://schemas.microsoft.com/office/powerpoint/2010/main" val="3557585430"/>
+        <p14:creationId xmlns:p14="http://schemas.microsoft.com/office/powerpoint/2010/main" val="1846336941"/>
       </p:ext>
     </p:extLst>
   </p:cSld>
@@ -6253,10 +7560,64 @@
       </p:grpSpPr>
       <p:sp>
         <p:nvSpPr>
-          <p:cNvPr id="2" name="TextBox 1">
-            <a:extLst>
-              <a:ext uri="{FF2B5EF4-FFF2-40B4-BE49-F238E27FC236}">
-                <a16:creationId xmlns:a16="http://schemas.microsoft.com/office/drawing/2014/main" id="{90667547-514D-6B14-BCC5-AE0A9FA60883}"/>
+          <p:cNvPr id="4" name="Oval 3">
+            <a:extLst>
+              <a:ext uri="{FF2B5EF4-FFF2-40B4-BE49-F238E27FC236}">
+                <a16:creationId xmlns:a16="http://schemas.microsoft.com/office/drawing/2014/main" id="{6BF54DB4-F819-2E52-127B-38FCE60DBC11}"/>
+              </a:ext>
+            </a:extLst>
+          </p:cNvPr>
+          <p:cNvSpPr/>
+          <p:nvPr/>
+        </p:nvSpPr>
+        <p:spPr>
+          <a:xfrm>
+            <a:off x="5417965" y="3149186"/>
+            <a:ext cx="3443537" cy="3443537"/>
+          </a:xfrm>
+          <a:prstGeom prst="ellipse">
+            <a:avLst/>
+          </a:prstGeom>
+          <a:solidFill>
+            <a:srgbClr val="92D050">
+              <a:alpha val="20683"/>
+            </a:srgbClr>
+          </a:solidFill>
+          <a:ln>
+            <a:noFill/>
+          </a:ln>
+        </p:spPr>
+        <p:style>
+          <a:lnRef idx="2">
+            <a:schemeClr val="accent1">
+              <a:shade val="15000"/>
+            </a:schemeClr>
+          </a:lnRef>
+          <a:fillRef idx="1">
+            <a:schemeClr val="accent1"/>
+          </a:fillRef>
+          <a:effectRef idx="0">
+            <a:schemeClr val="accent1"/>
+          </a:effectRef>
+          <a:fontRef idx="minor">
+            <a:schemeClr val="lt1"/>
+          </a:fontRef>
+        </p:style>
+        <p:txBody>
+          <a:bodyPr rtlCol="0" anchor="ctr"/>
+          <a:lstStyle/>
+          <a:p>
+            <a:pPr algn="ctr"/>
+            <a:endParaRPr lang="en-RU" dirty="0"/>
+          </a:p>
+        </p:txBody>
+      </p:sp>
+      <p:sp>
+        <p:nvSpPr>
+          <p:cNvPr id="9" name="TextBox 8">
+            <a:extLst>
+              <a:ext uri="{FF2B5EF4-FFF2-40B4-BE49-F238E27FC236}">
+                <a16:creationId xmlns:a16="http://schemas.microsoft.com/office/drawing/2014/main" id="{5C76A9E4-25EA-697F-2DC0-948E969121A4}"/>
               </a:ext>
             </a:extLst>
           </p:cNvPr>
@@ -6265,8 +7626,8 @@
         </p:nvSpPr>
         <p:spPr>
           <a:xfrm>
-            <a:off x="4884225" y="239441"/>
-            <a:ext cx="2423549" cy="646331"/>
+            <a:off x="8861502" y="6164019"/>
+            <a:ext cx="917188" cy="461665"/>
           </a:xfrm>
           <a:prstGeom prst="rect">
             <a:avLst/>
@@ -6274,25 +7635,24 @@
           <a:noFill/>
         </p:spPr>
         <p:txBody>
-          <a:bodyPr wrap="none" rtlCol="0">
+          <a:bodyPr wrap="square" rtlCol="0">
             <a:spAutoFit/>
           </a:bodyPr>
           <a:lstStyle/>
           <a:p>
             <a:r>
-              <a:rPr lang="ru-RU" sz="3600" b="1" dirty="0"/>
-              <a:t>Результаты</a:t>
-            </a:r>
-            <a:endParaRPr lang="en-RU" sz="3600" b="1" dirty="0"/>
-          </a:p>
-        </p:txBody>
-      </p:sp>
-      <p:sp>
-        <p:nvSpPr>
-          <p:cNvPr id="4" name="TextBox 3">
-            <a:extLst>
-              <a:ext uri="{FF2B5EF4-FFF2-40B4-BE49-F238E27FC236}">
-                <a16:creationId xmlns:a16="http://schemas.microsoft.com/office/drawing/2014/main" id="{3C34EC84-BAAF-FDD1-5CD3-C9CD64F1232C}"/>
+              <a:rPr lang="en-RU" sz="2400" b="1" dirty="0"/>
+              <a:t>t-test</a:t>
+            </a:r>
+          </a:p>
+        </p:txBody>
+      </p:sp>
+      <p:sp>
+        <p:nvSpPr>
+          <p:cNvPr id="10" name="TextBox 9">
+            <a:extLst>
+              <a:ext uri="{FF2B5EF4-FFF2-40B4-BE49-F238E27FC236}">
+                <a16:creationId xmlns:a16="http://schemas.microsoft.com/office/drawing/2014/main" id="{9D75CB7B-8774-E96D-EBE5-3E7510B1CEEC}"/>
               </a:ext>
             </a:extLst>
           </p:cNvPr>
@@ -6301,8 +7661,8 @@
         </p:nvSpPr>
         <p:spPr>
           <a:xfrm>
-            <a:off x="372533" y="1443841"/>
-            <a:ext cx="11593690" cy="3970318"/>
+            <a:off x="1921727" y="6164018"/>
+            <a:ext cx="1312127" cy="461665"/>
           </a:xfrm>
           <a:prstGeom prst="rect">
             <a:avLst/>
@@ -6315,68 +7675,516 @@
           </a:bodyPr>
           <a:lstStyle/>
           <a:p>
-            <a:pPr marL="342900" indent="-342900">
-              <a:buFont typeface="+mj-lt"/>
-              <a:buAutoNum type="arabicPeriod"/>
-            </a:pPr>
-            <a:r>
-              <a:rPr lang="ru-RU" sz="2800" b="1" dirty="0"/>
-              <a:t>Результаты Т-теста и теста Манна-Уитни хорошо согласуются между собой в обоих экспериментах. При этом т-тест показывает лучшую мощность. Результаты </a:t>
-            </a:r>
-            <a:r>
-              <a:rPr lang="en-US" sz="2800" b="1" dirty="0"/>
-              <a:t>pydeseq2 </a:t>
-            </a:r>
-            <a:r>
-              <a:rPr lang="ru-RU" sz="2800" b="1" dirty="0"/>
-              <a:t>достаточно плохо согласуются в эксперименте поиска маркеров типов клеток (≤50%), однако </a:t>
-            </a:r>
-            <a:r>
-              <a:rPr lang="en-US" sz="2800" b="1" dirty="0"/>
+            <a:r>
+              <a:rPr lang="en-RU" sz="2400" b="1" dirty="0"/>
+              <a:t>wilcoxon</a:t>
+            </a:r>
+          </a:p>
+        </p:txBody>
+      </p:sp>
+      <p:sp>
+        <p:nvSpPr>
+          <p:cNvPr id="3" name="Oval 2">
+            <a:extLst>
+              <a:ext uri="{FF2B5EF4-FFF2-40B4-BE49-F238E27FC236}">
+                <a16:creationId xmlns:a16="http://schemas.microsoft.com/office/drawing/2014/main" id="{CB9E3704-DDFA-F88D-A19D-BA484516435A}"/>
+              </a:ext>
+            </a:extLst>
+          </p:cNvPr>
+          <p:cNvSpPr/>
+          <p:nvPr/>
+        </p:nvSpPr>
+        <p:spPr>
+          <a:xfrm>
+            <a:off x="3330497" y="3182146"/>
+            <a:ext cx="3443537" cy="3443537"/>
+          </a:xfrm>
+          <a:prstGeom prst="ellipse">
+            <a:avLst/>
+          </a:prstGeom>
+          <a:solidFill>
+            <a:srgbClr val="0070C0">
+              <a:alpha val="20683"/>
+            </a:srgbClr>
+          </a:solidFill>
+          <a:ln>
+            <a:noFill/>
+          </a:ln>
+        </p:spPr>
+        <p:style>
+          <a:lnRef idx="2">
+            <a:schemeClr val="accent1">
+              <a:shade val="15000"/>
+            </a:schemeClr>
+          </a:lnRef>
+          <a:fillRef idx="1">
+            <a:schemeClr val="accent1"/>
+          </a:fillRef>
+          <a:effectRef idx="0">
+            <a:schemeClr val="accent1"/>
+          </a:effectRef>
+          <a:fontRef idx="minor">
+            <a:schemeClr val="lt1"/>
+          </a:fontRef>
+        </p:style>
+        <p:txBody>
+          <a:bodyPr rtlCol="0" anchor="ctr"/>
+          <a:lstStyle/>
+          <a:p>
+            <a:pPr algn="ctr"/>
+            <a:endParaRPr lang="en-RU"/>
+          </a:p>
+        </p:txBody>
+      </p:sp>
+      <p:sp>
+        <p:nvSpPr>
+          <p:cNvPr id="5" name="Oval 4">
+            <a:extLst>
+              <a:ext uri="{FF2B5EF4-FFF2-40B4-BE49-F238E27FC236}">
+                <a16:creationId xmlns:a16="http://schemas.microsoft.com/office/drawing/2014/main" id="{2DC78610-6490-D457-18C4-57D2B656A748}"/>
+              </a:ext>
+            </a:extLst>
+          </p:cNvPr>
+          <p:cNvSpPr/>
+          <p:nvPr/>
+        </p:nvSpPr>
+        <p:spPr>
+          <a:xfrm>
+            <a:off x="4374231" y="2026974"/>
+            <a:ext cx="3443537" cy="3443537"/>
+          </a:xfrm>
+          <a:prstGeom prst="ellipse">
+            <a:avLst/>
+          </a:prstGeom>
+          <a:solidFill>
+            <a:srgbClr val="FF0000">
+              <a:alpha val="20683"/>
+            </a:srgbClr>
+          </a:solidFill>
+          <a:ln>
+            <a:noFill/>
+          </a:ln>
+        </p:spPr>
+        <p:style>
+          <a:lnRef idx="2">
+            <a:schemeClr val="accent1">
+              <a:shade val="15000"/>
+            </a:schemeClr>
+          </a:lnRef>
+          <a:fillRef idx="1">
+            <a:schemeClr val="accent1"/>
+          </a:fillRef>
+          <a:effectRef idx="0">
+            <a:schemeClr val="accent1"/>
+          </a:effectRef>
+          <a:fontRef idx="minor">
+            <a:schemeClr val="lt1"/>
+          </a:fontRef>
+        </p:style>
+        <p:txBody>
+          <a:bodyPr rtlCol="0" anchor="ctr"/>
+          <a:lstStyle/>
+          <a:p>
+            <a:pPr algn="ctr"/>
+            <a:endParaRPr lang="en-RU"/>
+          </a:p>
+        </p:txBody>
+      </p:sp>
+      <p:sp>
+        <p:nvSpPr>
+          <p:cNvPr id="14" name="TextBox 13">
+            <a:extLst>
+              <a:ext uri="{FF2B5EF4-FFF2-40B4-BE49-F238E27FC236}">
+                <a16:creationId xmlns:a16="http://schemas.microsoft.com/office/drawing/2014/main" id="{39E544D0-BBEB-4E5A-6EDD-EDF415AD14BD}"/>
+              </a:ext>
+            </a:extLst>
+          </p:cNvPr>
+          <p:cNvSpPr txBox="1"/>
+          <p:nvPr/>
+        </p:nvSpPr>
+        <p:spPr>
+          <a:xfrm>
+            <a:off x="5287694" y="1425294"/>
+            <a:ext cx="1425497" cy="461665"/>
+          </a:xfrm>
+          <a:prstGeom prst="rect">
+            <a:avLst/>
+          </a:prstGeom>
+          <a:noFill/>
+        </p:spPr>
+        <p:txBody>
+          <a:bodyPr wrap="square" rtlCol="0">
+            <a:spAutoFit/>
+          </a:bodyPr>
+          <a:lstStyle/>
+          <a:p>
+            <a:r>
+              <a:rPr lang="en-RU" sz="2400" b="1" dirty="0"/>
               <a:t>pydeseq2</a:t>
             </a:r>
-            <a:r>
-              <a:rPr lang="ru-RU" sz="2800" b="1" dirty="0"/>
-              <a:t> показывает лучшую мощность (эффективность) в эксперименте по сравнению экспрессии между условиями (найдено больше статистически значимо изменивших свою экспрессию генов</a:t>
-            </a:r>
-            <a:endParaRPr lang="en-US" sz="2800" b="1" dirty="0"/>
-          </a:p>
-          <a:p>
-            <a:pPr marL="342900" indent="-342900">
-              <a:buFont typeface="+mj-lt"/>
-              <a:buAutoNum type="arabicPeriod"/>
-            </a:pPr>
-            <a:endParaRPr lang="en-US" sz="2800" b="1" dirty="0"/>
-          </a:p>
-          <a:p>
-            <a:pPr marL="342900" indent="-342900">
-              <a:buFont typeface="+mj-lt"/>
-              <a:buAutoNum type="arabicPeriod"/>
-            </a:pPr>
-            <a:r>
-              <a:rPr lang="ru-RU" sz="2800" b="1" dirty="0"/>
-              <a:t>Производительность: Т-тест </a:t>
-            </a:r>
-            <a:r>
-              <a:rPr lang="en-US" sz="2800" b="1" dirty="0"/>
-              <a:t>&gt; </a:t>
-            </a:r>
-            <a:r>
-              <a:rPr lang="ru-RU" sz="2800" b="1" dirty="0"/>
-              <a:t>Манна-Уитни </a:t>
-            </a:r>
-            <a:r>
-              <a:rPr lang="en-US" sz="2800" b="1" dirty="0"/>
-              <a:t>&gt;&gt; pydeseq2</a:t>
-            </a:r>
-            <a:endParaRPr lang="en-RU" sz="2800" b="1" dirty="0"/>
+          </a:p>
+        </p:txBody>
+      </p:sp>
+      <p:sp>
+        <p:nvSpPr>
+          <p:cNvPr id="2" name="TextBox 1">
+            <a:extLst>
+              <a:ext uri="{FF2B5EF4-FFF2-40B4-BE49-F238E27FC236}">
+                <a16:creationId xmlns:a16="http://schemas.microsoft.com/office/drawing/2014/main" id="{8C2C0219-5D14-CD43-ABF8-198AA3C2DBBC}"/>
+              </a:ext>
+            </a:extLst>
+          </p:cNvPr>
+          <p:cNvSpPr txBox="1"/>
+          <p:nvPr/>
+        </p:nvSpPr>
+        <p:spPr>
+          <a:xfrm>
+            <a:off x="5696422" y="2386681"/>
+            <a:ext cx="799145" cy="461665"/>
+          </a:xfrm>
+          <a:prstGeom prst="rect">
+            <a:avLst/>
+          </a:prstGeom>
+          <a:noFill/>
+        </p:spPr>
+        <p:txBody>
+          <a:bodyPr wrap="square" rtlCol="0">
+            <a:spAutoFit/>
+          </a:bodyPr>
+          <a:lstStyle/>
+          <a:p>
+            <a:r>
+              <a:rPr lang="ru-RU" sz="2400" b="1" dirty="0"/>
+              <a:t>7251</a:t>
+            </a:r>
+            <a:endParaRPr lang="en-RU" sz="2400" b="1" dirty="0"/>
+          </a:p>
+        </p:txBody>
+      </p:sp>
+      <p:sp>
+        <p:nvSpPr>
+          <p:cNvPr id="16" name="TextBox 15">
+            <a:extLst>
+              <a:ext uri="{FF2B5EF4-FFF2-40B4-BE49-F238E27FC236}">
+                <a16:creationId xmlns:a16="http://schemas.microsoft.com/office/drawing/2014/main" id="{2216476C-C0D6-9D42-75A9-EB72A6466D6C}"/>
+              </a:ext>
+            </a:extLst>
+          </p:cNvPr>
+          <p:cNvSpPr txBox="1"/>
+          <p:nvPr/>
+        </p:nvSpPr>
+        <p:spPr>
+          <a:xfrm>
+            <a:off x="7628108" y="5470511"/>
+            <a:ext cx="379320" cy="461665"/>
+          </a:xfrm>
+          <a:prstGeom prst="rect">
+            <a:avLst/>
+          </a:prstGeom>
+          <a:noFill/>
+        </p:spPr>
+        <p:txBody>
+          <a:bodyPr wrap="square" rtlCol="0">
+            <a:spAutoFit/>
+          </a:bodyPr>
+          <a:lstStyle/>
+          <a:p>
+            <a:r>
+              <a:rPr lang="ru-RU" sz="2400" b="1" dirty="0"/>
+              <a:t>1</a:t>
+            </a:r>
+            <a:endParaRPr lang="en-RU" sz="2400" b="1" dirty="0"/>
+          </a:p>
+        </p:txBody>
+      </p:sp>
+      <p:sp>
+        <p:nvSpPr>
+          <p:cNvPr id="18" name="TextBox 17">
+            <a:extLst>
+              <a:ext uri="{FF2B5EF4-FFF2-40B4-BE49-F238E27FC236}">
+                <a16:creationId xmlns:a16="http://schemas.microsoft.com/office/drawing/2014/main" id="{5873C491-4067-82E6-BF84-E4F2C8A002E8}"/>
+              </a:ext>
+            </a:extLst>
+          </p:cNvPr>
+          <p:cNvSpPr txBox="1"/>
+          <p:nvPr/>
+        </p:nvSpPr>
+        <p:spPr>
+          <a:xfrm>
+            <a:off x="5842423" y="4447740"/>
+            <a:ext cx="507149" cy="461665"/>
+          </a:xfrm>
+          <a:prstGeom prst="rect">
+            <a:avLst/>
+          </a:prstGeom>
+          <a:noFill/>
+        </p:spPr>
+        <p:txBody>
+          <a:bodyPr wrap="square" rtlCol="0">
+            <a:spAutoFit/>
+          </a:bodyPr>
+          <a:lstStyle/>
+          <a:p>
+            <a:r>
+              <a:rPr lang="ru-RU" sz="2400" b="1" dirty="0"/>
+              <a:t>24</a:t>
+            </a:r>
+            <a:endParaRPr lang="en-RU" sz="2400" b="1" dirty="0"/>
+          </a:p>
+        </p:txBody>
+      </p:sp>
+      <p:sp>
+        <p:nvSpPr>
+          <p:cNvPr id="20" name="TextBox 19">
+            <a:extLst>
+              <a:ext uri="{FF2B5EF4-FFF2-40B4-BE49-F238E27FC236}">
+                <a16:creationId xmlns:a16="http://schemas.microsoft.com/office/drawing/2014/main" id="{1A675742-62CD-028D-1EB6-6AC9E48C0953}"/>
+              </a:ext>
+            </a:extLst>
+          </p:cNvPr>
+          <p:cNvSpPr txBox="1"/>
+          <p:nvPr/>
+        </p:nvSpPr>
+        <p:spPr>
+          <a:xfrm>
+            <a:off x="6774034" y="3697121"/>
+            <a:ext cx="568397" cy="461665"/>
+          </a:xfrm>
+          <a:prstGeom prst="rect">
+            <a:avLst/>
+          </a:prstGeom>
+          <a:noFill/>
+        </p:spPr>
+        <p:txBody>
+          <a:bodyPr wrap="square" rtlCol="0">
+            <a:spAutoFit/>
+          </a:bodyPr>
+          <a:lstStyle/>
+          <a:p>
+            <a:r>
+              <a:rPr lang="ru-RU" sz="2400" b="1" dirty="0"/>
+              <a:t>70</a:t>
+            </a:r>
+            <a:endParaRPr lang="en-RU" sz="2400" b="1" dirty="0"/>
+          </a:p>
+        </p:txBody>
+      </p:sp>
+      <p:sp>
+        <p:nvSpPr>
+          <p:cNvPr id="23" name="TextBox 22">
+            <a:extLst>
+              <a:ext uri="{FF2B5EF4-FFF2-40B4-BE49-F238E27FC236}">
+                <a16:creationId xmlns:a16="http://schemas.microsoft.com/office/drawing/2014/main" id="{0A538CDF-0DAE-FFE9-41F3-E3DC0D0A8B7F}"/>
+              </a:ext>
+            </a:extLst>
+          </p:cNvPr>
+          <p:cNvSpPr txBox="1"/>
+          <p:nvPr/>
+        </p:nvSpPr>
+        <p:spPr>
+          <a:xfrm>
+            <a:off x="419836" y="2026974"/>
+            <a:ext cx="1541085" cy="461665"/>
+          </a:xfrm>
+          <a:prstGeom prst="rect">
+            <a:avLst/>
+          </a:prstGeom>
+          <a:noFill/>
+        </p:spPr>
+        <p:txBody>
+          <a:bodyPr wrap="square" rtlCol="0">
+            <a:spAutoFit/>
+          </a:bodyPr>
+          <a:lstStyle/>
+          <a:p>
+            <a:r>
+              <a:rPr lang="en-US" sz="2400" b="1" dirty="0"/>
+              <a:t>DUOX2</a:t>
+            </a:r>
+            <a:endParaRPr lang="en-RU" sz="2400" b="1" dirty="0"/>
+          </a:p>
+        </p:txBody>
+      </p:sp>
+      <p:sp>
+        <p:nvSpPr>
+          <p:cNvPr id="6" name="TextBox 5">
+            <a:extLst>
+              <a:ext uri="{FF2B5EF4-FFF2-40B4-BE49-F238E27FC236}">
+                <a16:creationId xmlns:a16="http://schemas.microsoft.com/office/drawing/2014/main" id="{9EF78F69-58DC-CB68-C2F7-97EAB7CD3AEE}"/>
+              </a:ext>
+            </a:extLst>
+          </p:cNvPr>
+          <p:cNvSpPr txBox="1"/>
+          <p:nvPr/>
+        </p:nvSpPr>
+        <p:spPr>
+          <a:xfrm>
+            <a:off x="419836" y="2488639"/>
+            <a:ext cx="1541085" cy="461665"/>
+          </a:xfrm>
+          <a:prstGeom prst="rect">
+            <a:avLst/>
+          </a:prstGeom>
+          <a:noFill/>
+        </p:spPr>
+        <p:txBody>
+          <a:bodyPr wrap="square" rtlCol="0">
+            <a:spAutoFit/>
+          </a:bodyPr>
+          <a:lstStyle/>
+          <a:p>
+            <a:r>
+              <a:rPr lang="en-RU" sz="2400" b="1" dirty="0"/>
+              <a:t>CD55</a:t>
+            </a:r>
+          </a:p>
+        </p:txBody>
+      </p:sp>
+      <p:sp>
+        <p:nvSpPr>
+          <p:cNvPr id="7" name="TextBox 6">
+            <a:extLst>
+              <a:ext uri="{FF2B5EF4-FFF2-40B4-BE49-F238E27FC236}">
+                <a16:creationId xmlns:a16="http://schemas.microsoft.com/office/drawing/2014/main" id="{26C7718C-810C-E820-E57F-5397F84EE6F2}"/>
+              </a:ext>
+            </a:extLst>
+          </p:cNvPr>
+          <p:cNvSpPr txBox="1"/>
+          <p:nvPr/>
+        </p:nvSpPr>
+        <p:spPr>
+          <a:xfrm>
+            <a:off x="418298" y="2950304"/>
+            <a:ext cx="1541085" cy="461665"/>
+          </a:xfrm>
+          <a:prstGeom prst="rect">
+            <a:avLst/>
+          </a:prstGeom>
+          <a:noFill/>
+        </p:spPr>
+        <p:txBody>
+          <a:bodyPr wrap="square" rtlCol="0">
+            <a:spAutoFit/>
+          </a:bodyPr>
+          <a:lstStyle/>
+          <a:p>
+            <a:r>
+              <a:rPr lang="en-RU" sz="2400" b="1" dirty="0"/>
+              <a:t>PI3</a:t>
+            </a:r>
+          </a:p>
+        </p:txBody>
+      </p:sp>
+      <p:sp>
+        <p:nvSpPr>
+          <p:cNvPr id="8" name="TextBox 7">
+            <a:extLst>
+              <a:ext uri="{FF2B5EF4-FFF2-40B4-BE49-F238E27FC236}">
+                <a16:creationId xmlns:a16="http://schemas.microsoft.com/office/drawing/2014/main" id="{D9847F4E-2E63-93FB-6FD4-429C4081E636}"/>
+              </a:ext>
+            </a:extLst>
+          </p:cNvPr>
+          <p:cNvSpPr txBox="1"/>
+          <p:nvPr/>
+        </p:nvSpPr>
+        <p:spPr>
+          <a:xfrm>
+            <a:off x="418298" y="3411969"/>
+            <a:ext cx="1541085" cy="461665"/>
+          </a:xfrm>
+          <a:prstGeom prst="rect">
+            <a:avLst/>
+          </a:prstGeom>
+          <a:noFill/>
+        </p:spPr>
+        <p:txBody>
+          <a:bodyPr wrap="square" rtlCol="0">
+            <a:spAutoFit/>
+          </a:bodyPr>
+          <a:lstStyle/>
+          <a:p>
+            <a:r>
+              <a:rPr lang="en-RU" sz="2400" b="1" dirty="0"/>
+              <a:t>ALDOB</a:t>
+            </a:r>
+          </a:p>
+        </p:txBody>
+      </p:sp>
+      <p:sp>
+        <p:nvSpPr>
+          <p:cNvPr id="12" name="TextBox 11">
+            <a:extLst>
+              <a:ext uri="{FF2B5EF4-FFF2-40B4-BE49-F238E27FC236}">
+                <a16:creationId xmlns:a16="http://schemas.microsoft.com/office/drawing/2014/main" id="{7F46FB42-05AF-3250-8F17-C745FC69D820}"/>
+              </a:ext>
+            </a:extLst>
+          </p:cNvPr>
+          <p:cNvSpPr txBox="1"/>
+          <p:nvPr/>
+        </p:nvSpPr>
+        <p:spPr>
+          <a:xfrm>
+            <a:off x="418298" y="3873634"/>
+            <a:ext cx="1541085" cy="461665"/>
+          </a:xfrm>
+          <a:prstGeom prst="rect">
+            <a:avLst/>
+          </a:prstGeom>
+          <a:noFill/>
+        </p:spPr>
+        <p:txBody>
+          <a:bodyPr wrap="square" rtlCol="0">
+            <a:spAutoFit/>
+          </a:bodyPr>
+          <a:lstStyle/>
+          <a:p>
+            <a:r>
+              <a:rPr lang="en-RU" sz="2400" b="1" dirty="0"/>
+              <a:t>DUOXA2</a:t>
+            </a:r>
+          </a:p>
+        </p:txBody>
+      </p:sp>
+      <p:sp>
+        <p:nvSpPr>
+          <p:cNvPr id="13" name="TextBox 12">
+            <a:extLst>
+              <a:ext uri="{FF2B5EF4-FFF2-40B4-BE49-F238E27FC236}">
+                <a16:creationId xmlns:a16="http://schemas.microsoft.com/office/drawing/2014/main" id="{4930BBFB-CA69-03F4-89FF-3CDD3E116AF7}"/>
+              </a:ext>
+            </a:extLst>
+          </p:cNvPr>
+          <p:cNvSpPr txBox="1"/>
+          <p:nvPr/>
+        </p:nvSpPr>
+        <p:spPr>
+          <a:xfrm>
+            <a:off x="882164" y="265277"/>
+            <a:ext cx="10427663" cy="646331"/>
+          </a:xfrm>
+          <a:prstGeom prst="rect">
+            <a:avLst/>
+          </a:prstGeom>
+          <a:noFill/>
+        </p:spPr>
+        <p:txBody>
+          <a:bodyPr wrap="none" rtlCol="0">
+            <a:spAutoFit/>
+          </a:bodyPr>
+          <a:lstStyle/>
+          <a:p>
+            <a:r>
+              <a:rPr lang="ru-RU" sz="3600" b="1" dirty="0"/>
+              <a:t>Сравнение экспрессии между разными условиями</a:t>
+            </a:r>
+            <a:endParaRPr lang="en-RU" sz="3600" b="1" dirty="0"/>
           </a:p>
         </p:txBody>
       </p:sp>
     </p:spTree>
     <p:extLst>
       <p:ext uri="{BB962C8B-B14F-4D97-AF65-F5344CB8AC3E}">
-        <p14:creationId xmlns:p14="http://schemas.microsoft.com/office/powerpoint/2010/main" val="3402930951"/>
+        <p14:creationId xmlns:p14="http://schemas.microsoft.com/office/powerpoint/2010/main" val="3557585430"/>
       </p:ext>
     </p:extLst>
   </p:cSld>
@@ -6408,7 +8216,7 @@
           <p:cNvPr id="2" name="TextBox 1">
             <a:extLst>
               <a:ext uri="{FF2B5EF4-FFF2-40B4-BE49-F238E27FC236}">
-                <a16:creationId xmlns:a16="http://schemas.microsoft.com/office/drawing/2014/main" id="{59E2A7EA-A58C-CD3B-9964-4B2920005D96}"/>
+                <a16:creationId xmlns:a16="http://schemas.microsoft.com/office/drawing/2014/main" id="{90667547-514D-6B14-BCC5-AE0A9FA60883}"/>
               </a:ext>
             </a:extLst>
           </p:cNvPr>
@@ -6417,8 +8225,8 @@
         </p:nvSpPr>
         <p:spPr>
           <a:xfrm>
-            <a:off x="5179050" y="205574"/>
-            <a:ext cx="1833900" cy="646331"/>
+            <a:off x="4884225" y="239441"/>
+            <a:ext cx="2423549" cy="646331"/>
           </a:xfrm>
           <a:prstGeom prst="rect">
             <a:avLst/>
@@ -6433,7 +8241,7 @@
           <a:p>
             <a:r>
               <a:rPr lang="ru-RU" sz="3600" b="1" dirty="0"/>
-              <a:t>Выводы</a:t>
+              <a:t>Результаты</a:t>
             </a:r>
             <a:endParaRPr lang="en-RU" sz="3600" b="1" dirty="0"/>
           </a:p>
@@ -6441,10 +8249,10 @@
       </p:sp>
       <p:sp>
         <p:nvSpPr>
-          <p:cNvPr id="3" name="TextBox 2">
-            <a:extLst>
-              <a:ext uri="{FF2B5EF4-FFF2-40B4-BE49-F238E27FC236}">
-                <a16:creationId xmlns:a16="http://schemas.microsoft.com/office/drawing/2014/main" id="{3CDD5EFF-29B4-9F38-D2F5-5ACE0FD4DE2E}"/>
+          <p:cNvPr id="4" name="TextBox 3">
+            <a:extLst>
+              <a:ext uri="{FF2B5EF4-FFF2-40B4-BE49-F238E27FC236}">
+                <a16:creationId xmlns:a16="http://schemas.microsoft.com/office/drawing/2014/main" id="{3C34EC84-BAAF-FDD1-5CD3-C9CD64F1232C}"/>
               </a:ext>
             </a:extLst>
           </p:cNvPr>
@@ -6453,8 +8261,8 @@
         </p:nvSpPr>
         <p:spPr>
           <a:xfrm>
-            <a:off x="519289" y="2305615"/>
-            <a:ext cx="11153422" cy="2246769"/>
+            <a:off x="299154" y="1012954"/>
+            <a:ext cx="11593690" cy="4832092"/>
           </a:xfrm>
           <a:prstGeom prst="rect">
             <a:avLst/>
@@ -6467,13 +8275,59 @@
           </a:bodyPr>
           <a:lstStyle/>
           <a:p>
+            <a:pPr marL="342900" indent="-342900">
+              <a:buFont typeface="+mj-lt"/>
+              <a:buAutoNum type="arabicPeriod"/>
+            </a:pPr>
             <a:r>
               <a:rPr lang="ru-RU" sz="2800" b="1" dirty="0"/>
-              <a:t>Для быстрого поиска маркерных генов (аннотирования) можно использовать как т-тест, так и тест Манна-Уитни. Однако, если нужно провести более тщательный анализ, особенно если типы клеток близкие и для сравнения условий, лучше использовать отрицательно биномиальные модели </a:t>
+              <a:t>Результаты Т-теста и теста Манна-Уитни хорошо согласуются между собой в обоих экспериментах. Тест Манна-Уитни показывает чуть лучше результат в эксперименте по поиску маркерных генов. При этом т-тест показывает лучшую мощность в эксперименте сравнения экспрессии между условиями. Результаты </a:t>
             </a:r>
             <a:r>
               <a:rPr lang="en-US" sz="2800" b="1" dirty="0"/>
-              <a:t>(pydeseq2)</a:t>
+              <a:t>pydeseq2 </a:t>
+            </a:r>
+            <a:r>
+              <a:rPr lang="ru-RU" sz="2800" b="1" dirty="0"/>
+              <a:t>достаточно плохо согласуются в эксперименте поиска маркеров типов клеток (≤50%), однако </a:t>
+            </a:r>
+            <a:r>
+              <a:rPr lang="en-US" sz="2800" b="1" dirty="0"/>
+              <a:t>pydeseq2</a:t>
+            </a:r>
+            <a:r>
+              <a:rPr lang="ru-RU" sz="2800" b="1" dirty="0"/>
+              <a:t> показывает лучшую мощность (эффективность) в эксперименте по сравнению экспрессии между условиями (найдено больше статистически значимо изменивших свою экспрессию генов)</a:t>
+            </a:r>
+            <a:endParaRPr lang="en-US" sz="2800" b="1" dirty="0"/>
+          </a:p>
+          <a:p>
+            <a:pPr marL="342900" indent="-342900">
+              <a:buFont typeface="+mj-lt"/>
+              <a:buAutoNum type="arabicPeriod"/>
+            </a:pPr>
+            <a:endParaRPr lang="en-US" sz="2800" b="1" dirty="0"/>
+          </a:p>
+          <a:p>
+            <a:pPr marL="342900" indent="-342900">
+              <a:buFont typeface="+mj-lt"/>
+              <a:buAutoNum type="arabicPeriod"/>
+            </a:pPr>
+            <a:r>
+              <a:rPr lang="ru-RU" sz="2800" b="1" dirty="0"/>
+              <a:t>Производительность: Т-тест </a:t>
+            </a:r>
+            <a:r>
+              <a:rPr lang="en-US" sz="2800" b="1" dirty="0"/>
+              <a:t>&gt; </a:t>
+            </a:r>
+            <a:r>
+              <a:rPr lang="ru-RU" sz="2800" b="1" dirty="0"/>
+              <a:t>Манна-Уитни </a:t>
+            </a:r>
+            <a:r>
+              <a:rPr lang="en-US" sz="2800" b="1" dirty="0"/>
+              <a:t>&gt;&gt; pydeseq2</a:t>
             </a:r>
             <a:endParaRPr lang="en-RU" sz="2800" b="1" dirty="0"/>
           </a:p>
@@ -6481,10 +8335,10 @@
       </p:sp>
       <p:sp>
         <p:nvSpPr>
-          <p:cNvPr id="4" name="TextBox 3">
-            <a:extLst>
-              <a:ext uri="{FF2B5EF4-FFF2-40B4-BE49-F238E27FC236}">
-                <a16:creationId xmlns:a16="http://schemas.microsoft.com/office/drawing/2014/main" id="{5BEBE15C-4B9F-CF04-4E1A-53734E494487}"/>
+          <p:cNvPr id="3" name="TextBox 2">
+            <a:extLst>
+              <a:ext uri="{FF2B5EF4-FFF2-40B4-BE49-F238E27FC236}">
+                <a16:creationId xmlns:a16="http://schemas.microsoft.com/office/drawing/2014/main" id="{1A29AC72-DE93-FB2C-E528-9A2447BCCC26}"/>
               </a:ext>
             </a:extLst>
           </p:cNvPr>
@@ -6544,7 +8398,7 @@
     </p:spTree>
     <p:extLst>
       <p:ext uri="{BB962C8B-B14F-4D97-AF65-F5344CB8AC3E}">
-        <p14:creationId xmlns:p14="http://schemas.microsoft.com/office/powerpoint/2010/main" val="3634672411"/>
+        <p14:creationId xmlns:p14="http://schemas.microsoft.com/office/powerpoint/2010/main" val="3402930951"/>
       </p:ext>
     </p:extLst>
   </p:cSld>
